--- a/Power Points/Python3.pptx
+++ b/Power Points/Python3.pptx
@@ -5,35 +5,36 @@
     <p:sldMasterId id="2147483668" r:id="rId1"/>
   </p:sldMasterIdLst>
   <p:notesMasterIdLst>
-    <p:notesMasterId r:id="rId25"/>
+    <p:notesMasterId r:id="rId26"/>
   </p:notesMasterIdLst>
   <p:handoutMasterIdLst>
-    <p:handoutMasterId r:id="rId26"/>
+    <p:handoutMasterId r:id="rId27"/>
   </p:handoutMasterIdLst>
   <p:sldIdLst>
     <p:sldId id="311" r:id="rId2"/>
-    <p:sldId id="658" r:id="rId3"/>
-    <p:sldId id="660" r:id="rId4"/>
-    <p:sldId id="648" r:id="rId5"/>
-    <p:sldId id="659" r:id="rId6"/>
-    <p:sldId id="649" r:id="rId7"/>
-    <p:sldId id="643" r:id="rId8"/>
-    <p:sldId id="640" r:id="rId9"/>
-    <p:sldId id="661" r:id="rId10"/>
-    <p:sldId id="662" r:id="rId11"/>
-    <p:sldId id="665" r:id="rId12"/>
-    <p:sldId id="664" r:id="rId13"/>
-    <p:sldId id="667" r:id="rId14"/>
-    <p:sldId id="666" r:id="rId15"/>
-    <p:sldId id="668" r:id="rId16"/>
-    <p:sldId id="669" r:id="rId17"/>
-    <p:sldId id="670" r:id="rId18"/>
-    <p:sldId id="671" r:id="rId19"/>
-    <p:sldId id="672" r:id="rId20"/>
-    <p:sldId id="674" r:id="rId21"/>
-    <p:sldId id="673" r:id="rId22"/>
-    <p:sldId id="663" r:id="rId23"/>
-    <p:sldId id="389" r:id="rId24"/>
+    <p:sldId id="675" r:id="rId3"/>
+    <p:sldId id="658" r:id="rId4"/>
+    <p:sldId id="660" r:id="rId5"/>
+    <p:sldId id="648" r:id="rId6"/>
+    <p:sldId id="659" r:id="rId7"/>
+    <p:sldId id="649" r:id="rId8"/>
+    <p:sldId id="643" r:id="rId9"/>
+    <p:sldId id="640" r:id="rId10"/>
+    <p:sldId id="661" r:id="rId11"/>
+    <p:sldId id="662" r:id="rId12"/>
+    <p:sldId id="665" r:id="rId13"/>
+    <p:sldId id="664" r:id="rId14"/>
+    <p:sldId id="667" r:id="rId15"/>
+    <p:sldId id="666" r:id="rId16"/>
+    <p:sldId id="668" r:id="rId17"/>
+    <p:sldId id="669" r:id="rId18"/>
+    <p:sldId id="670" r:id="rId19"/>
+    <p:sldId id="671" r:id="rId20"/>
+    <p:sldId id="672" r:id="rId21"/>
+    <p:sldId id="674" r:id="rId22"/>
+    <p:sldId id="673" r:id="rId23"/>
+    <p:sldId id="663" r:id="rId24"/>
+    <p:sldId id="389" r:id="rId25"/>
   </p:sldIdLst>
   <p:sldSz cx="9144000" cy="6858000" type="screen4x3"/>
   <p:notesSz cx="7315200" cy="9601200"/>
@@ -236,7 +237,7 @@
           <a:p>
             <a:fld id="{51A969EA-8566-418D-AC96-BC5F6E9FAB6C}" type="datetimeFigureOut">
               <a:rPr lang="en-US" smtClean="0"/>
-              <a:t>11/28/18</a:t>
+              <a:t>11/29/18</a:t>
             </a:fld>
             <a:endParaRPr lang="en-US"/>
           </a:p>
@@ -401,7 +402,7 @@
           <a:p>
             <a:fld id="{33B07B4B-74D8-4C42-A719-1F93879497F8}" type="datetimeFigureOut">
               <a:rPr lang="en-US" smtClean="0"/>
-              <a:t>11/28/18</a:t>
+              <a:t>11/29/18</a:t>
             </a:fld>
             <a:endParaRPr lang="en-US"/>
           </a:p>
@@ -820,7 +821,7 @@
           <a:p>
             <a:fld id="{F4EE911A-504C-45E1-9DD1-A7318D673F80}" type="slidenum">
               <a:rPr lang="en-US" smtClean="0"/>
-              <a:t>23</a:t>
+              <a:t>24</a:t>
             </a:fld>
             <a:endParaRPr lang="en-US"/>
           </a:p>
@@ -2296,7 +2297,7 @@
           <a:p>
             <a:fld id="{B65C9255-9F07-4181-9AD2-897FFC0A3B7E}" type="datetimeFigureOut">
               <a:rPr lang="en-US" smtClean="0"/>
-              <a:t>11/28/18</a:t>
+              <a:t>11/29/18</a:t>
             </a:fld>
             <a:endParaRPr lang="en-US"/>
           </a:p>
@@ -2498,7 +2499,7 @@
           <a:p>
             <a:fld id="{B65C9255-9F07-4181-9AD2-897FFC0A3B7E}" type="datetimeFigureOut">
               <a:rPr lang="en-US" smtClean="0"/>
-              <a:t>11/28/18</a:t>
+              <a:t>11/29/18</a:t>
             </a:fld>
             <a:endParaRPr lang="en-US"/>
           </a:p>
@@ -2721,7 +2722,7 @@
           <a:p>
             <a:fld id="{B65C9255-9F07-4181-9AD2-897FFC0A3B7E}" type="datetimeFigureOut">
               <a:rPr lang="en-US" smtClean="0"/>
-              <a:t>11/28/18</a:t>
+              <a:t>11/29/18</a:t>
             </a:fld>
             <a:endParaRPr lang="en-US"/>
           </a:p>
@@ -3489,7 +3490,7 @@
           <p:cNvPr id="2" name="Title 1">
             <a:extLst>
               <a:ext uri="{FF2B5EF4-FFF2-40B4-BE49-F238E27FC236}">
-                <a16:creationId xmlns:a16="http://schemas.microsoft.com/office/drawing/2014/main" id="{F639B9DA-420E-C34E-9719-3B2A5A8F5318}"/>
+                <a16:creationId xmlns:a16="http://schemas.microsoft.com/office/drawing/2014/main" id="{749AC0A7-74F1-A74E-8A19-506863585EE2}"/>
               </a:ext>
             </a:extLst>
           </p:cNvPr>
@@ -3503,7 +3504,7 @@
         <p:spPr>
           <a:xfrm>
             <a:off x="304800" y="0"/>
-            <a:ext cx="6858000" cy="653854"/>
+            <a:ext cx="5470526" cy="653854"/>
           </a:xfrm>
         </p:spPr>
         <p:txBody>
@@ -3514,7 +3515,7 @@
           <a:p>
             <a:r>
               <a:rPr lang="en-US" sz="3200"/>
-              <a:t>Inline-For-loop + conditional</a:t>
+              <a:t>Inline-For-loop Cont’d</a:t>
             </a:r>
           </a:p>
         </p:txBody>
@@ -3524,7 +3525,7 @@
           <p:cNvPr id="3" name="TextBox 2">
             <a:extLst>
               <a:ext uri="{FF2B5EF4-FFF2-40B4-BE49-F238E27FC236}">
-                <a16:creationId xmlns:a16="http://schemas.microsoft.com/office/drawing/2014/main" id="{764008E9-B478-E242-8132-043D3F70C8A2}"/>
+                <a16:creationId xmlns:a16="http://schemas.microsoft.com/office/drawing/2014/main" id="{97C5921C-98D4-C440-9C09-0B24F07D612D}"/>
               </a:ext>
             </a:extLst>
           </p:cNvPr>
@@ -3533,13 +3534,18 @@
         </p:nvSpPr>
         <p:spPr>
           <a:xfrm>
-            <a:off x="152400" y="914400"/>
-            <a:ext cx="8991600" cy="4093428"/>
+            <a:off x="2876550" y="3596551"/>
+            <a:ext cx="1371600" cy="707886"/>
           </a:xfrm>
           <a:prstGeom prst="rect">
             <a:avLst/>
           </a:prstGeom>
-          <a:noFill/>
+          <a:solidFill>
+            <a:schemeClr val="accent1">
+              <a:lumMod val="40000"/>
+              <a:lumOff val="60000"/>
+            </a:schemeClr>
+          </a:solidFill>
         </p:spPr>
         <p:txBody>
           <a:bodyPr wrap="square" rtlCol="0">
@@ -3547,266 +3553,14 @@
           </a:bodyPr>
           <a:lstStyle/>
           <a:p>
-            <a:r>
-              <a:rPr lang="en-US" sz="2800"/>
-              <a:t>julyTemps = [</a:t>
-            </a:r>
-            <a:r>
-              <a:rPr lang="en-US" sz="2800">
-                <a:solidFill>
-                  <a:schemeClr val="accent2">
-                    <a:lumMod val="50000"/>
-                  </a:schemeClr>
-                </a:solidFill>
-              </a:rPr>
-              <a:t>87</a:t>
-            </a:r>
-            <a:r>
-              <a:rPr lang="en-US" sz="2800"/>
-              <a:t>,</a:t>
-            </a:r>
-            <a:r>
-              <a:rPr lang="en-US" sz="2800">
-                <a:solidFill>
-                  <a:schemeClr val="accent2">
-                    <a:lumMod val="50000"/>
-                  </a:schemeClr>
-                </a:solidFill>
-              </a:rPr>
-              <a:t> 85</a:t>
-            </a:r>
-            <a:r>
-              <a:rPr lang="en-US" sz="2800"/>
-              <a:t>,</a:t>
-            </a:r>
-            <a:r>
-              <a:rPr lang="en-US" sz="2800">
-                <a:solidFill>
-                  <a:schemeClr val="accent2">
-                    <a:lumMod val="50000"/>
-                  </a:schemeClr>
-                </a:solidFill>
-              </a:rPr>
-              <a:t> 92</a:t>
-            </a:r>
-            <a:r>
-              <a:rPr lang="en-US" sz="2800"/>
-              <a:t>,</a:t>
-            </a:r>
-            <a:r>
-              <a:rPr lang="en-US" sz="2800">
-                <a:solidFill>
-                  <a:schemeClr val="accent2">
-                    <a:lumMod val="50000"/>
-                  </a:schemeClr>
-                </a:solidFill>
-              </a:rPr>
-              <a:t> 79</a:t>
-            </a:r>
-            <a:r>
-              <a:rPr lang="en-US" sz="2800"/>
-              <a:t>,</a:t>
-            </a:r>
-            <a:r>
-              <a:rPr lang="en-US" sz="2800">
-                <a:solidFill>
-                  <a:schemeClr val="accent2">
-                    <a:lumMod val="50000"/>
-                  </a:schemeClr>
-                </a:solidFill>
-              </a:rPr>
-              <a:t> 106</a:t>
-            </a:r>
-            <a:r>
-              <a:rPr lang="en-US" sz="2800"/>
-              <a:t>]</a:t>
-            </a:r>
-          </a:p>
-          <a:p>
-            <a:r>
-              <a:rPr lang="en-US" sz="2800"/>
-              <a:t>hotDays = [ ]</a:t>
-            </a:r>
-          </a:p>
-          <a:p>
-            <a:endParaRPr lang="en-US" sz="2800">
-              <a:solidFill>
-                <a:schemeClr val="accent2">
-                  <a:lumMod val="50000"/>
-                </a:schemeClr>
-              </a:solidFill>
-            </a:endParaRPr>
-          </a:p>
-          <a:p>
-            <a:r>
-              <a:rPr lang="en-US" sz="2800">
-                <a:solidFill>
-                  <a:schemeClr val="accent2">
-                    <a:lumMod val="50000"/>
-                  </a:schemeClr>
-                </a:solidFill>
-              </a:rPr>
-              <a:t>for</a:t>
-            </a:r>
-            <a:r>
-              <a:rPr lang="en-US" sz="2800"/>
-              <a:t> temp </a:t>
-            </a:r>
-            <a:r>
-              <a:rPr lang="en-US" sz="2800">
-                <a:solidFill>
-                  <a:schemeClr val="accent2">
-                    <a:lumMod val="50000"/>
-                  </a:schemeClr>
-                </a:solidFill>
-              </a:rPr>
-              <a:t>in</a:t>
-            </a:r>
-            <a:r>
-              <a:rPr lang="en-US" sz="2800"/>
-              <a:t> julyTemps:</a:t>
-            </a:r>
-          </a:p>
-          <a:p>
-            <a:pPr lvl="1"/>
-            <a:r>
-              <a:rPr lang="en-US" sz="2800">
-                <a:solidFill>
-                  <a:schemeClr val="accent2">
-                    <a:lumMod val="50000"/>
-                  </a:schemeClr>
-                </a:solidFill>
-              </a:rPr>
-              <a:t>if</a:t>
-            </a:r>
-            <a:r>
-              <a:rPr lang="en-US" sz="2800"/>
-              <a:t> temp &gt; </a:t>
-            </a:r>
-            <a:r>
-              <a:rPr lang="en-US" sz="2800">
-                <a:solidFill>
-                  <a:schemeClr val="accent2">
-                    <a:lumMod val="50000"/>
-                  </a:schemeClr>
-                </a:solidFill>
-              </a:rPr>
-              <a:t>90</a:t>
-            </a:r>
-            <a:r>
-              <a:rPr lang="en-US" sz="2800"/>
-              <a:t>:</a:t>
-            </a:r>
-            <a:endParaRPr lang="en-US"/>
-          </a:p>
-          <a:p>
-            <a:pPr lvl="1"/>
-            <a:r>
-              <a:rPr lang="en-US" sz="2800"/>
-              <a:t>hotDays.</a:t>
-            </a:r>
-            <a:r>
-              <a:rPr lang="en-US" sz="2800">
-                <a:solidFill>
-                  <a:schemeClr val="accent2">
-                    <a:lumMod val="50000"/>
-                  </a:schemeClr>
-                </a:solidFill>
-              </a:rPr>
-              <a:t>append(</a:t>
-            </a:r>
-            <a:r>
-              <a:rPr lang="en-US" sz="2800">
+            <a:pPr algn="ctr"/>
+            <a:r>
+              <a:rPr lang="en-US" sz="4000">
                 <a:solidFill>
                   <a:srgbClr val="C00000"/>
                 </a:solidFill>
               </a:rPr>
-              <a:t>temp</a:t>
-            </a:r>
-            <a:r>
-              <a:rPr lang="en-US" sz="2800">
-                <a:solidFill>
-                  <a:schemeClr val="accent2">
-                    <a:lumMod val="50000"/>
-                  </a:schemeClr>
-                </a:solidFill>
-              </a:rPr>
-              <a:t>)</a:t>
-            </a:r>
-          </a:p>
-          <a:p>
-            <a:endParaRPr lang="en-US">
-              <a:solidFill>
-                <a:schemeClr val="accent2">
-                  <a:lumMod val="50000"/>
-                </a:schemeClr>
-              </a:solidFill>
-            </a:endParaRPr>
-          </a:p>
-          <a:p>
-            <a:endParaRPr lang="en-US"/>
-          </a:p>
-          <a:p>
-            <a:endParaRPr lang="en-US" sz="2800"/>
-          </a:p>
-          <a:p>
-            <a:r>
-              <a:rPr lang="en-US" sz="2800"/>
-              <a:t>hotDays = [</a:t>
-            </a:r>
-            <a:r>
-              <a:rPr lang="en-US" sz="2800">
-                <a:solidFill>
-                  <a:srgbClr val="C00000"/>
-                </a:solidFill>
-              </a:rPr>
-              <a:t>temp</a:t>
-            </a:r>
-            <a:r>
-              <a:rPr lang="en-US" sz="2800"/>
-              <a:t> </a:t>
-            </a:r>
-            <a:r>
-              <a:rPr lang="en-US" sz="2800">
-                <a:solidFill>
-                  <a:schemeClr val="accent2">
-                    <a:lumMod val="50000"/>
-                  </a:schemeClr>
-                </a:solidFill>
-              </a:rPr>
-              <a:t>for</a:t>
-            </a:r>
-            <a:r>
-              <a:rPr lang="en-US" sz="2800"/>
-              <a:t> temp </a:t>
-            </a:r>
-            <a:r>
-              <a:rPr lang="en-US" sz="2800">
-                <a:solidFill>
-                  <a:schemeClr val="accent2">
-                    <a:lumMod val="50000"/>
-                  </a:schemeClr>
-                </a:solidFill>
-              </a:rPr>
-              <a:t>in</a:t>
-            </a:r>
-            <a:r>
-              <a:rPr lang="en-US" sz="2800"/>
-              <a:t> julyTemps </a:t>
-            </a:r>
-            <a:r>
-              <a:rPr lang="en-US" sz="2800">
-                <a:solidFill>
-                  <a:schemeClr val="accent2">
-                    <a:lumMod val="50000"/>
-                  </a:schemeClr>
-                </a:solidFill>
-              </a:rPr>
-              <a:t>if temp &gt; 90</a:t>
-            </a:r>
-            <a:r>
-              <a:rPr lang="en-US" sz="2800"/>
-              <a:t>]</a:t>
+              <a:t>x</a:t>
             </a:r>
           </a:p>
         </p:txBody>
@@ -3816,7 +3570,7 @@
           <p:cNvPr id="4" name="TextBox 3">
             <a:extLst>
               <a:ext uri="{FF2B5EF4-FFF2-40B4-BE49-F238E27FC236}">
-                <a16:creationId xmlns:a16="http://schemas.microsoft.com/office/drawing/2014/main" id="{6EDD3868-1CB5-514A-BF35-E1D714BC8FFF}"/>
+                <a16:creationId xmlns:a16="http://schemas.microsoft.com/office/drawing/2014/main" id="{8D44F4D8-EEC8-1048-A4AD-1CA105615991}"/>
               </a:ext>
             </a:extLst>
           </p:cNvPr>
@@ -3825,8 +3579,8 @@
         </p:nvSpPr>
         <p:spPr>
           <a:xfrm>
-            <a:off x="76200" y="5715000"/>
-            <a:ext cx="9067800" cy="461665"/>
+            <a:off x="2114550" y="3672751"/>
+            <a:ext cx="476250" cy="707886"/>
           </a:xfrm>
           <a:prstGeom prst="rect">
             <a:avLst/>
@@ -3840,6 +3594,848 @@
           <a:lstStyle/>
           <a:p>
             <a:r>
+              <a:rPr lang="en-US" sz="4000"/>
+              <a:t>=</a:t>
+            </a:r>
+          </a:p>
+        </p:txBody>
+      </p:sp>
+      <p:sp>
+        <p:nvSpPr>
+          <p:cNvPr id="5" name="TextBox 4">
+            <a:extLst>
+              <a:ext uri="{FF2B5EF4-FFF2-40B4-BE49-F238E27FC236}">
+                <a16:creationId xmlns:a16="http://schemas.microsoft.com/office/drawing/2014/main" id="{CBC1F507-5224-684B-8CF4-F6E8F0E0FD06}"/>
+              </a:ext>
+            </a:extLst>
+          </p:cNvPr>
+          <p:cNvSpPr txBox="1"/>
+          <p:nvPr/>
+        </p:nvSpPr>
+        <p:spPr>
+          <a:xfrm>
+            <a:off x="4171950" y="3596551"/>
+            <a:ext cx="933450" cy="707886"/>
+          </a:xfrm>
+          <a:prstGeom prst="rect">
+            <a:avLst/>
+          </a:prstGeom>
+          <a:solidFill>
+            <a:schemeClr val="accent2">
+              <a:lumMod val="40000"/>
+              <a:lumOff val="60000"/>
+            </a:schemeClr>
+          </a:solidFill>
+        </p:spPr>
+        <p:txBody>
+          <a:bodyPr wrap="square" rtlCol="0">
+            <a:spAutoFit/>
+          </a:bodyPr>
+          <a:lstStyle/>
+          <a:p>
+            <a:pPr algn="ctr"/>
+            <a:r>
+              <a:rPr lang="en-US" sz="4000"/>
+              <a:t>for</a:t>
+            </a:r>
+          </a:p>
+        </p:txBody>
+      </p:sp>
+      <p:sp>
+        <p:nvSpPr>
+          <p:cNvPr id="6" name="TextBox 5">
+            <a:extLst>
+              <a:ext uri="{FF2B5EF4-FFF2-40B4-BE49-F238E27FC236}">
+                <a16:creationId xmlns:a16="http://schemas.microsoft.com/office/drawing/2014/main" id="{337EB6CB-DB6F-C347-82F8-CDBA42E65EE9}"/>
+              </a:ext>
+            </a:extLst>
+          </p:cNvPr>
+          <p:cNvSpPr txBox="1"/>
+          <p:nvPr/>
+        </p:nvSpPr>
+        <p:spPr>
+          <a:xfrm>
+            <a:off x="5086350" y="3596550"/>
+            <a:ext cx="1390650" cy="707886"/>
+          </a:xfrm>
+          <a:prstGeom prst="rect">
+            <a:avLst/>
+          </a:prstGeom>
+          <a:solidFill>
+            <a:schemeClr val="accent1">
+              <a:lumMod val="40000"/>
+              <a:lumOff val="60000"/>
+            </a:schemeClr>
+          </a:solidFill>
+        </p:spPr>
+        <p:txBody>
+          <a:bodyPr wrap="square" rtlCol="0">
+            <a:spAutoFit/>
+          </a:bodyPr>
+          <a:lstStyle/>
+          <a:p>
+            <a:pPr algn="ctr"/>
+            <a:r>
+              <a:rPr lang="en-US" sz="4000"/>
+              <a:t>x</a:t>
+            </a:r>
+          </a:p>
+        </p:txBody>
+      </p:sp>
+      <p:sp>
+        <p:nvSpPr>
+          <p:cNvPr id="7" name="TextBox 6">
+            <a:extLst>
+              <a:ext uri="{FF2B5EF4-FFF2-40B4-BE49-F238E27FC236}">
+                <a16:creationId xmlns:a16="http://schemas.microsoft.com/office/drawing/2014/main" id="{B879EE75-AF50-0343-9AC8-D75E5A1F97B8}"/>
+              </a:ext>
+            </a:extLst>
+          </p:cNvPr>
+          <p:cNvSpPr txBox="1"/>
+          <p:nvPr/>
+        </p:nvSpPr>
+        <p:spPr>
+          <a:xfrm>
+            <a:off x="6457950" y="3596550"/>
+            <a:ext cx="933450" cy="707886"/>
+          </a:xfrm>
+          <a:prstGeom prst="rect">
+            <a:avLst/>
+          </a:prstGeom>
+          <a:solidFill>
+            <a:schemeClr val="accent2">
+              <a:lumMod val="40000"/>
+              <a:lumOff val="60000"/>
+            </a:schemeClr>
+          </a:solidFill>
+        </p:spPr>
+        <p:txBody>
+          <a:bodyPr wrap="square" rtlCol="0">
+            <a:spAutoFit/>
+          </a:bodyPr>
+          <a:lstStyle/>
+          <a:p>
+            <a:pPr algn="ctr"/>
+            <a:r>
+              <a:rPr lang="en-US" sz="4000"/>
+              <a:t>in</a:t>
+            </a:r>
+          </a:p>
+        </p:txBody>
+      </p:sp>
+      <p:sp>
+        <p:nvSpPr>
+          <p:cNvPr id="8" name="TextBox 7">
+            <a:extLst>
+              <a:ext uri="{FF2B5EF4-FFF2-40B4-BE49-F238E27FC236}">
+                <a16:creationId xmlns:a16="http://schemas.microsoft.com/office/drawing/2014/main" id="{00E08B69-76EB-5040-93A4-12338AE30382}"/>
+              </a:ext>
+            </a:extLst>
+          </p:cNvPr>
+          <p:cNvSpPr txBox="1"/>
+          <p:nvPr/>
+        </p:nvSpPr>
+        <p:spPr>
+          <a:xfrm>
+            <a:off x="7391400" y="3596549"/>
+            <a:ext cx="1022350" cy="707886"/>
+          </a:xfrm>
+          <a:prstGeom prst="rect">
+            <a:avLst/>
+          </a:prstGeom>
+          <a:solidFill>
+            <a:srgbClr val="FFCC00"/>
+          </a:solidFill>
+        </p:spPr>
+        <p:txBody>
+          <a:bodyPr wrap="square" rtlCol="0">
+            <a:spAutoFit/>
+          </a:bodyPr>
+          <a:lstStyle/>
+          <a:p>
+            <a:pPr algn="ctr"/>
+            <a:r>
+              <a:rPr lang="en-US" sz="4000"/>
+              <a:t>list</a:t>
+            </a:r>
+          </a:p>
+        </p:txBody>
+      </p:sp>
+      <p:sp>
+        <p:nvSpPr>
+          <p:cNvPr id="15" name="TextBox 14">
+            <a:extLst>
+              <a:ext uri="{FF2B5EF4-FFF2-40B4-BE49-F238E27FC236}">
+                <a16:creationId xmlns:a16="http://schemas.microsoft.com/office/drawing/2014/main" id="{BD9DE8E4-927F-5348-B3BE-3921D9143659}"/>
+              </a:ext>
+            </a:extLst>
+          </p:cNvPr>
+          <p:cNvSpPr txBox="1"/>
+          <p:nvPr/>
+        </p:nvSpPr>
+        <p:spPr>
+          <a:xfrm>
+            <a:off x="2876550" y="944435"/>
+            <a:ext cx="1371600" cy="707886"/>
+          </a:xfrm>
+          <a:prstGeom prst="rect">
+            <a:avLst/>
+          </a:prstGeom>
+          <a:solidFill>
+            <a:schemeClr val="accent1">
+              <a:lumMod val="40000"/>
+              <a:lumOff val="60000"/>
+            </a:schemeClr>
+          </a:solidFill>
+        </p:spPr>
+        <p:txBody>
+          <a:bodyPr wrap="square" rtlCol="0">
+            <a:spAutoFit/>
+          </a:bodyPr>
+          <a:lstStyle/>
+          <a:p>
+            <a:pPr algn="ctr"/>
+            <a:r>
+              <a:rPr lang="en-US" sz="4000">
+                <a:solidFill>
+                  <a:srgbClr val="C00000"/>
+                </a:solidFill>
+              </a:rPr>
+              <a:t>char</a:t>
+            </a:r>
+          </a:p>
+        </p:txBody>
+      </p:sp>
+      <p:sp>
+        <p:nvSpPr>
+          <p:cNvPr id="16" name="TextBox 15">
+            <a:extLst>
+              <a:ext uri="{FF2B5EF4-FFF2-40B4-BE49-F238E27FC236}">
+                <a16:creationId xmlns:a16="http://schemas.microsoft.com/office/drawing/2014/main" id="{36213926-5EA2-9A4F-865A-6F195A361751}"/>
+              </a:ext>
+            </a:extLst>
+          </p:cNvPr>
+          <p:cNvSpPr txBox="1"/>
+          <p:nvPr/>
+        </p:nvSpPr>
+        <p:spPr>
+          <a:xfrm>
+            <a:off x="2038350" y="1020635"/>
+            <a:ext cx="476250" cy="707886"/>
+          </a:xfrm>
+          <a:prstGeom prst="rect">
+            <a:avLst/>
+          </a:prstGeom>
+          <a:noFill/>
+        </p:spPr>
+        <p:txBody>
+          <a:bodyPr wrap="square" rtlCol="0">
+            <a:spAutoFit/>
+          </a:bodyPr>
+          <a:lstStyle/>
+          <a:p>
+            <a:r>
+              <a:rPr lang="en-US" sz="4000"/>
+              <a:t>=</a:t>
+            </a:r>
+          </a:p>
+        </p:txBody>
+      </p:sp>
+      <p:sp>
+        <p:nvSpPr>
+          <p:cNvPr id="17" name="TextBox 16">
+            <a:extLst>
+              <a:ext uri="{FF2B5EF4-FFF2-40B4-BE49-F238E27FC236}">
+                <a16:creationId xmlns:a16="http://schemas.microsoft.com/office/drawing/2014/main" id="{51B81684-989F-D34F-8D79-09AC2390476C}"/>
+              </a:ext>
+            </a:extLst>
+          </p:cNvPr>
+          <p:cNvSpPr txBox="1"/>
+          <p:nvPr/>
+        </p:nvSpPr>
+        <p:spPr>
+          <a:xfrm>
+            <a:off x="4171950" y="944435"/>
+            <a:ext cx="933450" cy="707886"/>
+          </a:xfrm>
+          <a:prstGeom prst="rect">
+            <a:avLst/>
+          </a:prstGeom>
+          <a:solidFill>
+            <a:schemeClr val="accent2">
+              <a:lumMod val="40000"/>
+              <a:lumOff val="60000"/>
+            </a:schemeClr>
+          </a:solidFill>
+        </p:spPr>
+        <p:txBody>
+          <a:bodyPr wrap="square" rtlCol="0">
+            <a:spAutoFit/>
+          </a:bodyPr>
+          <a:lstStyle/>
+          <a:p>
+            <a:pPr algn="ctr"/>
+            <a:r>
+              <a:rPr lang="en-US" sz="4000"/>
+              <a:t>for</a:t>
+            </a:r>
+          </a:p>
+        </p:txBody>
+      </p:sp>
+      <p:sp>
+        <p:nvSpPr>
+          <p:cNvPr id="18" name="TextBox 17">
+            <a:extLst>
+              <a:ext uri="{FF2B5EF4-FFF2-40B4-BE49-F238E27FC236}">
+                <a16:creationId xmlns:a16="http://schemas.microsoft.com/office/drawing/2014/main" id="{1CCD7249-57D5-9B41-97BF-A171A3CCA46A}"/>
+              </a:ext>
+            </a:extLst>
+          </p:cNvPr>
+          <p:cNvSpPr txBox="1"/>
+          <p:nvPr/>
+        </p:nvSpPr>
+        <p:spPr>
+          <a:xfrm>
+            <a:off x="5086350" y="944434"/>
+            <a:ext cx="1390650" cy="707886"/>
+          </a:xfrm>
+          <a:prstGeom prst="rect">
+            <a:avLst/>
+          </a:prstGeom>
+          <a:solidFill>
+            <a:schemeClr val="accent1">
+              <a:lumMod val="40000"/>
+              <a:lumOff val="60000"/>
+            </a:schemeClr>
+          </a:solidFill>
+        </p:spPr>
+        <p:txBody>
+          <a:bodyPr wrap="square" rtlCol="0">
+            <a:spAutoFit/>
+          </a:bodyPr>
+          <a:lstStyle/>
+          <a:p>
+            <a:pPr algn="ctr"/>
+            <a:r>
+              <a:rPr lang="en-US" sz="4000"/>
+              <a:t>char</a:t>
+            </a:r>
+          </a:p>
+        </p:txBody>
+      </p:sp>
+      <p:sp>
+        <p:nvSpPr>
+          <p:cNvPr id="19" name="TextBox 18">
+            <a:extLst>
+              <a:ext uri="{FF2B5EF4-FFF2-40B4-BE49-F238E27FC236}">
+                <a16:creationId xmlns:a16="http://schemas.microsoft.com/office/drawing/2014/main" id="{E89EDACA-9A22-004B-A0C5-AECC548ADA38}"/>
+              </a:ext>
+            </a:extLst>
+          </p:cNvPr>
+          <p:cNvSpPr txBox="1"/>
+          <p:nvPr/>
+        </p:nvSpPr>
+        <p:spPr>
+          <a:xfrm>
+            <a:off x="6457950" y="944434"/>
+            <a:ext cx="933450" cy="707886"/>
+          </a:xfrm>
+          <a:prstGeom prst="rect">
+            <a:avLst/>
+          </a:prstGeom>
+          <a:solidFill>
+            <a:schemeClr val="accent2">
+              <a:lumMod val="40000"/>
+              <a:lumOff val="60000"/>
+            </a:schemeClr>
+          </a:solidFill>
+        </p:spPr>
+        <p:txBody>
+          <a:bodyPr wrap="square" rtlCol="0">
+            <a:spAutoFit/>
+          </a:bodyPr>
+          <a:lstStyle/>
+          <a:p>
+            <a:pPr algn="ctr"/>
+            <a:r>
+              <a:rPr lang="en-US" sz="4000"/>
+              <a:t>in</a:t>
+            </a:r>
+          </a:p>
+        </p:txBody>
+      </p:sp>
+      <p:sp>
+        <p:nvSpPr>
+          <p:cNvPr id="20" name="TextBox 19">
+            <a:extLst>
+              <a:ext uri="{FF2B5EF4-FFF2-40B4-BE49-F238E27FC236}">
+                <a16:creationId xmlns:a16="http://schemas.microsoft.com/office/drawing/2014/main" id="{A4A66FE6-02BD-BD43-989A-ED5F520EE36F}"/>
+              </a:ext>
+            </a:extLst>
+          </p:cNvPr>
+          <p:cNvSpPr txBox="1"/>
+          <p:nvPr/>
+        </p:nvSpPr>
+        <p:spPr>
+          <a:xfrm>
+            <a:off x="7359650" y="944433"/>
+            <a:ext cx="1022350" cy="707886"/>
+          </a:xfrm>
+          <a:prstGeom prst="rect">
+            <a:avLst/>
+          </a:prstGeom>
+          <a:solidFill>
+            <a:srgbClr val="FFC000"/>
+          </a:solidFill>
+        </p:spPr>
+        <p:txBody>
+          <a:bodyPr wrap="square" rtlCol="0">
+            <a:spAutoFit/>
+          </a:bodyPr>
+          <a:lstStyle/>
+          <a:p>
+            <a:pPr algn="ctr"/>
+            <a:r>
+              <a:rPr lang="en-US" sz="4000"/>
+              <a:t>fish</a:t>
+            </a:r>
+          </a:p>
+        </p:txBody>
+      </p:sp>
+      <p:sp>
+        <p:nvSpPr>
+          <p:cNvPr id="21" name="TextBox 20">
+            <a:extLst>
+              <a:ext uri="{FF2B5EF4-FFF2-40B4-BE49-F238E27FC236}">
+                <a16:creationId xmlns:a16="http://schemas.microsoft.com/office/drawing/2014/main" id="{2EAFA559-CBB0-D944-AC0E-A4FDD887B997}"/>
+              </a:ext>
+            </a:extLst>
+          </p:cNvPr>
+          <p:cNvSpPr txBox="1"/>
+          <p:nvPr/>
+        </p:nvSpPr>
+        <p:spPr>
+          <a:xfrm>
+            <a:off x="381000" y="944433"/>
+            <a:ext cx="1600200" cy="707886"/>
+          </a:xfrm>
+          <a:prstGeom prst="rect">
+            <a:avLst/>
+          </a:prstGeom>
+          <a:noFill/>
+        </p:spPr>
+        <p:txBody>
+          <a:bodyPr wrap="square" rtlCol="0">
+            <a:spAutoFit/>
+          </a:bodyPr>
+          <a:lstStyle/>
+          <a:p>
+            <a:pPr algn="ctr"/>
+            <a:r>
+              <a:rPr lang="en-US" sz="4000"/>
+              <a:t>letters</a:t>
+            </a:r>
+          </a:p>
+        </p:txBody>
+      </p:sp>
+      <p:sp>
+        <p:nvSpPr>
+          <p:cNvPr id="22" name="TextBox 21">
+            <a:extLst>
+              <a:ext uri="{FF2B5EF4-FFF2-40B4-BE49-F238E27FC236}">
+                <a16:creationId xmlns:a16="http://schemas.microsoft.com/office/drawing/2014/main" id="{66CAD20E-81F6-7D44-A6E9-9825D0FFB34A}"/>
+              </a:ext>
+            </a:extLst>
+          </p:cNvPr>
+          <p:cNvSpPr txBox="1"/>
+          <p:nvPr/>
+        </p:nvSpPr>
+        <p:spPr>
+          <a:xfrm>
+            <a:off x="266700" y="3596549"/>
+            <a:ext cx="1943100" cy="707886"/>
+          </a:xfrm>
+          <a:prstGeom prst="rect">
+            <a:avLst/>
+          </a:prstGeom>
+          <a:noFill/>
+        </p:spPr>
+        <p:txBody>
+          <a:bodyPr wrap="square" rtlCol="0">
+            <a:spAutoFit/>
+          </a:bodyPr>
+          <a:lstStyle/>
+          <a:p>
+            <a:pPr algn="ctr"/>
+            <a:r>
+              <a:rPr lang="en-US" sz="4000"/>
+              <a:t>newList</a:t>
+            </a:r>
+          </a:p>
+        </p:txBody>
+      </p:sp>
+      <p:sp>
+        <p:nvSpPr>
+          <p:cNvPr id="23" name="TextBox 22">
+            <a:extLst>
+              <a:ext uri="{FF2B5EF4-FFF2-40B4-BE49-F238E27FC236}">
+                <a16:creationId xmlns:a16="http://schemas.microsoft.com/office/drawing/2014/main" id="{B4325EE2-32B8-C14D-97A3-D418A3DEBD96}"/>
+              </a:ext>
+            </a:extLst>
+          </p:cNvPr>
+          <p:cNvSpPr txBox="1"/>
+          <p:nvPr/>
+        </p:nvSpPr>
+        <p:spPr>
+          <a:xfrm>
+            <a:off x="2514600" y="533400"/>
+            <a:ext cx="381000" cy="1323439"/>
+          </a:xfrm>
+          <a:prstGeom prst="rect">
+            <a:avLst/>
+          </a:prstGeom>
+          <a:noFill/>
+        </p:spPr>
+        <p:txBody>
+          <a:bodyPr wrap="square" rtlCol="0">
+            <a:spAutoFit/>
+          </a:bodyPr>
+          <a:lstStyle/>
+          <a:p>
+            <a:r>
+              <a:rPr lang="en-US" sz="8000"/>
+              <a:t>[</a:t>
+            </a:r>
+          </a:p>
+        </p:txBody>
+      </p:sp>
+      <p:sp>
+        <p:nvSpPr>
+          <p:cNvPr id="25" name="TextBox 24">
+            <a:extLst>
+              <a:ext uri="{FF2B5EF4-FFF2-40B4-BE49-F238E27FC236}">
+                <a16:creationId xmlns:a16="http://schemas.microsoft.com/office/drawing/2014/main" id="{59AEFA26-348C-E740-B2AB-0EAA459085F5}"/>
+              </a:ext>
+            </a:extLst>
+          </p:cNvPr>
+          <p:cNvSpPr txBox="1"/>
+          <p:nvPr/>
+        </p:nvSpPr>
+        <p:spPr>
+          <a:xfrm>
+            <a:off x="2533650" y="3191471"/>
+            <a:ext cx="381000" cy="1323439"/>
+          </a:xfrm>
+          <a:prstGeom prst="rect">
+            <a:avLst/>
+          </a:prstGeom>
+          <a:noFill/>
+        </p:spPr>
+        <p:txBody>
+          <a:bodyPr wrap="square" rtlCol="0">
+            <a:spAutoFit/>
+          </a:bodyPr>
+          <a:lstStyle/>
+          <a:p>
+            <a:r>
+              <a:rPr lang="en-US" sz="8000"/>
+              <a:t>[</a:t>
+            </a:r>
+          </a:p>
+        </p:txBody>
+      </p:sp>
+      <p:sp>
+        <p:nvSpPr>
+          <p:cNvPr id="26" name="TextBox 25">
+            <a:extLst>
+              <a:ext uri="{FF2B5EF4-FFF2-40B4-BE49-F238E27FC236}">
+                <a16:creationId xmlns:a16="http://schemas.microsoft.com/office/drawing/2014/main" id="{F3C33D23-35BF-2446-B5EA-FEA5556B041C}"/>
+              </a:ext>
+            </a:extLst>
+          </p:cNvPr>
+          <p:cNvSpPr txBox="1"/>
+          <p:nvPr/>
+        </p:nvSpPr>
+        <p:spPr>
+          <a:xfrm rot="10800000">
+            <a:off x="8382000" y="735956"/>
+            <a:ext cx="381000" cy="1323439"/>
+          </a:xfrm>
+          <a:prstGeom prst="rect">
+            <a:avLst/>
+          </a:prstGeom>
+          <a:noFill/>
+        </p:spPr>
+        <p:txBody>
+          <a:bodyPr wrap="square" rtlCol="0">
+            <a:spAutoFit/>
+          </a:bodyPr>
+          <a:lstStyle/>
+          <a:p>
+            <a:r>
+              <a:rPr lang="en-US" sz="8000"/>
+              <a:t>[</a:t>
+            </a:r>
+          </a:p>
+        </p:txBody>
+      </p:sp>
+      <p:sp>
+        <p:nvSpPr>
+          <p:cNvPr id="28" name="TextBox 27">
+            <a:extLst>
+              <a:ext uri="{FF2B5EF4-FFF2-40B4-BE49-F238E27FC236}">
+                <a16:creationId xmlns:a16="http://schemas.microsoft.com/office/drawing/2014/main" id="{0EB27033-F55C-A641-B79E-239F4983BE03}"/>
+              </a:ext>
+            </a:extLst>
+          </p:cNvPr>
+          <p:cNvSpPr txBox="1"/>
+          <p:nvPr/>
+        </p:nvSpPr>
+        <p:spPr>
+          <a:xfrm rot="10800000">
+            <a:off x="8458200" y="3388717"/>
+            <a:ext cx="381000" cy="1323439"/>
+          </a:xfrm>
+          <a:prstGeom prst="rect">
+            <a:avLst/>
+          </a:prstGeom>
+          <a:noFill/>
+        </p:spPr>
+        <p:txBody>
+          <a:bodyPr wrap="square" rtlCol="0">
+            <a:spAutoFit/>
+          </a:bodyPr>
+          <a:lstStyle/>
+          <a:p>
+            <a:r>
+              <a:rPr lang="en-US" sz="8000"/>
+              <a:t>[</a:t>
+            </a:r>
+          </a:p>
+        </p:txBody>
+      </p:sp>
+      <p:sp>
+        <p:nvSpPr>
+          <p:cNvPr id="29" name="TextBox 28">
+            <a:extLst>
+              <a:ext uri="{FF2B5EF4-FFF2-40B4-BE49-F238E27FC236}">
+                <a16:creationId xmlns:a16="http://schemas.microsoft.com/office/drawing/2014/main" id="{09DA8C86-4336-5F44-A1C0-C9778CC0EE10}"/>
+              </a:ext>
+            </a:extLst>
+          </p:cNvPr>
+          <p:cNvSpPr txBox="1"/>
+          <p:nvPr/>
+        </p:nvSpPr>
+        <p:spPr>
+          <a:xfrm>
+            <a:off x="5181600" y="4380637"/>
+            <a:ext cx="3200400" cy="1200329"/>
+          </a:xfrm>
+          <a:prstGeom prst="rect">
+            <a:avLst/>
+          </a:prstGeom>
+          <a:noFill/>
+        </p:spPr>
+        <p:txBody>
+          <a:bodyPr wrap="square" rtlCol="0">
+            <a:spAutoFit/>
+          </a:bodyPr>
+          <a:lstStyle/>
+          <a:p>
+            <a:r>
+              <a:rPr lang="en-US" sz="2400"/>
+              <a:t>loop thru each item in the </a:t>
+            </a:r>
+            <a:r>
+              <a:rPr lang="en-US" sz="2400" b="1"/>
+              <a:t>list</a:t>
+            </a:r>
+            <a:r>
+              <a:rPr lang="en-US" sz="2400"/>
+              <a:t> and assign it to </a:t>
+            </a:r>
+            <a:r>
+              <a:rPr lang="en-US" sz="2400" b="1"/>
+              <a:t>X</a:t>
+            </a:r>
+          </a:p>
+        </p:txBody>
+      </p:sp>
+      <p:sp>
+        <p:nvSpPr>
+          <p:cNvPr id="31" name="TextBox 30">
+            <a:extLst>
+              <a:ext uri="{FF2B5EF4-FFF2-40B4-BE49-F238E27FC236}">
+                <a16:creationId xmlns:a16="http://schemas.microsoft.com/office/drawing/2014/main" id="{1790A7FD-6055-4E48-BB15-01A702D02D93}"/>
+              </a:ext>
+            </a:extLst>
+          </p:cNvPr>
+          <p:cNvSpPr txBox="1"/>
+          <p:nvPr/>
+        </p:nvSpPr>
+        <p:spPr>
+          <a:xfrm>
+            <a:off x="5086350" y="1764653"/>
+            <a:ext cx="3448050" cy="1200329"/>
+          </a:xfrm>
+          <a:prstGeom prst="rect">
+            <a:avLst/>
+          </a:prstGeom>
+          <a:noFill/>
+        </p:spPr>
+        <p:txBody>
+          <a:bodyPr wrap="square" rtlCol="0">
+            <a:spAutoFit/>
+          </a:bodyPr>
+          <a:lstStyle/>
+          <a:p>
+            <a:r>
+              <a:rPr lang="en-US" sz="2400"/>
+              <a:t>loop thru each character in </a:t>
+            </a:r>
+            <a:r>
+              <a:rPr lang="en-US" sz="2400" b="1"/>
+              <a:t>fish</a:t>
+            </a:r>
+            <a:r>
+              <a:rPr lang="en-US" sz="2400"/>
+              <a:t> and assign it to </a:t>
+            </a:r>
+            <a:r>
+              <a:rPr lang="en-US" sz="2400" b="1"/>
+              <a:t>char</a:t>
+            </a:r>
+          </a:p>
+        </p:txBody>
+      </p:sp>
+      <p:sp>
+        <p:nvSpPr>
+          <p:cNvPr id="32" name="TextBox 31">
+            <a:extLst>
+              <a:ext uri="{FF2B5EF4-FFF2-40B4-BE49-F238E27FC236}">
+                <a16:creationId xmlns:a16="http://schemas.microsoft.com/office/drawing/2014/main" id="{1873D173-5184-AD4E-B0DA-5F563EE6C0C8}"/>
+              </a:ext>
+            </a:extLst>
+          </p:cNvPr>
+          <p:cNvSpPr txBox="1"/>
+          <p:nvPr/>
+        </p:nvSpPr>
+        <p:spPr>
+          <a:xfrm>
+            <a:off x="2667000" y="1793436"/>
+            <a:ext cx="1701800" cy="1200329"/>
+          </a:xfrm>
+          <a:prstGeom prst="rect">
+            <a:avLst/>
+          </a:prstGeom>
+          <a:noFill/>
+        </p:spPr>
+        <p:txBody>
+          <a:bodyPr wrap="square" rtlCol="0">
+            <a:spAutoFit/>
+          </a:bodyPr>
+          <a:lstStyle/>
+          <a:p>
+            <a:r>
+              <a:rPr lang="en-US" sz="2400"/>
+              <a:t>add each </a:t>
+            </a:r>
+            <a:r>
+              <a:rPr lang="en-US" sz="2400" b="1">
+                <a:solidFill>
+                  <a:srgbClr val="C00000"/>
+                </a:solidFill>
+              </a:rPr>
+              <a:t>char</a:t>
+            </a:r>
+            <a:r>
+              <a:rPr lang="en-US" sz="2400"/>
+              <a:t> found to letters</a:t>
+            </a:r>
+            <a:endParaRPr lang="en-US" sz="2400" b="1"/>
+          </a:p>
+        </p:txBody>
+      </p:sp>
+      <p:sp>
+        <p:nvSpPr>
+          <p:cNvPr id="33" name="TextBox 32">
+            <a:extLst>
+              <a:ext uri="{FF2B5EF4-FFF2-40B4-BE49-F238E27FC236}">
+                <a16:creationId xmlns:a16="http://schemas.microsoft.com/office/drawing/2014/main" id="{18001F40-447A-4C47-9E73-0B861CBDE759}"/>
+              </a:ext>
+            </a:extLst>
+          </p:cNvPr>
+          <p:cNvSpPr txBox="1"/>
+          <p:nvPr/>
+        </p:nvSpPr>
+        <p:spPr>
+          <a:xfrm>
+            <a:off x="2797175" y="4409639"/>
+            <a:ext cx="1701800" cy="1200329"/>
+          </a:xfrm>
+          <a:prstGeom prst="rect">
+            <a:avLst/>
+          </a:prstGeom>
+          <a:noFill/>
+        </p:spPr>
+        <p:txBody>
+          <a:bodyPr wrap="square" rtlCol="0">
+            <a:spAutoFit/>
+          </a:bodyPr>
+          <a:lstStyle/>
+          <a:p>
+            <a:r>
+              <a:rPr lang="en-US" sz="2400"/>
+              <a:t>add each </a:t>
+            </a:r>
+            <a:r>
+              <a:rPr lang="en-US" sz="2400" b="1">
+                <a:solidFill>
+                  <a:srgbClr val="C00000"/>
+                </a:solidFill>
+              </a:rPr>
+              <a:t>X</a:t>
+            </a:r>
+            <a:r>
+              <a:rPr lang="en-US" sz="2400"/>
+              <a:t> found to </a:t>
+            </a:r>
+            <a:r>
+              <a:rPr lang="en-US" sz="2400" b="1"/>
+              <a:t>newList</a:t>
+            </a:r>
+          </a:p>
+        </p:txBody>
+      </p:sp>
+      <p:sp>
+        <p:nvSpPr>
+          <p:cNvPr id="34" name="TextBox 33">
+            <a:extLst>
+              <a:ext uri="{FF2B5EF4-FFF2-40B4-BE49-F238E27FC236}">
+                <a16:creationId xmlns:a16="http://schemas.microsoft.com/office/drawing/2014/main" id="{5C7D452E-0A95-5747-832C-19B8845001A8}"/>
+              </a:ext>
+            </a:extLst>
+          </p:cNvPr>
+          <p:cNvSpPr txBox="1"/>
+          <p:nvPr/>
+        </p:nvSpPr>
+        <p:spPr>
+          <a:xfrm>
+            <a:off x="76200" y="5715000"/>
+            <a:ext cx="9067800" cy="461665"/>
+          </a:xfrm>
+          <a:prstGeom prst="rect">
+            <a:avLst/>
+          </a:prstGeom>
+          <a:noFill/>
+        </p:spPr>
+        <p:txBody>
+          <a:bodyPr wrap="square" rtlCol="0">
+            <a:spAutoFit/>
+          </a:bodyPr>
+          <a:lstStyle/>
+          <a:p>
+            <a:r>
               <a:rPr lang="en-US" sz="2400" b="1">
                 <a:solidFill>
                   <a:srgbClr val="C00000"/>
@@ -3853,7 +4449,7 @@
     </p:spTree>
     <p:extLst>
       <p:ext uri="{BB962C8B-B14F-4D97-AF65-F5344CB8AC3E}">
-        <p14:creationId xmlns:p14="http://schemas.microsoft.com/office/powerpoint/2010/main" val="4002076416"/>
+        <p14:creationId xmlns:p14="http://schemas.microsoft.com/office/powerpoint/2010/main" val="1785917191"/>
       </p:ext>
     </p:extLst>
   </p:cSld>
@@ -3897,7 +4493,7 @@
           <p:cNvPr id="2" name="Title 1">
             <a:extLst>
               <a:ext uri="{FF2B5EF4-FFF2-40B4-BE49-F238E27FC236}">
-                <a16:creationId xmlns:a16="http://schemas.microsoft.com/office/drawing/2014/main" id="{39182456-59EF-E348-9971-16BFE5681F33}"/>
+                <a16:creationId xmlns:a16="http://schemas.microsoft.com/office/drawing/2014/main" id="{F639B9DA-420E-C34E-9719-3B2A5A8F5318}"/>
               </a:ext>
             </a:extLst>
           </p:cNvPr>
@@ -3908,14 +4504,352 @@
             <p:ph type="title"/>
           </p:nvPr>
         </p:nvSpPr>
-        <p:spPr/>
-        <p:txBody>
-          <a:bodyPr/>
+        <p:spPr>
+          <a:xfrm>
+            <a:off x="304800" y="0"/>
+            <a:ext cx="6858000" cy="653854"/>
+          </a:xfrm>
+        </p:spPr>
+        <p:txBody>
+          <a:bodyPr>
+            <a:normAutofit/>
+          </a:bodyPr>
           <a:lstStyle/>
           <a:p>
             <a:r>
-              <a:rPr lang="en-US"/>
-              <a:t>Functions</a:t>
+              <a:rPr lang="en-US" sz="3200"/>
+              <a:t>Inline-For-loop + conditional</a:t>
+            </a:r>
+          </a:p>
+        </p:txBody>
+      </p:sp>
+      <p:sp>
+        <p:nvSpPr>
+          <p:cNvPr id="3" name="TextBox 2">
+            <a:extLst>
+              <a:ext uri="{FF2B5EF4-FFF2-40B4-BE49-F238E27FC236}">
+                <a16:creationId xmlns:a16="http://schemas.microsoft.com/office/drawing/2014/main" id="{764008E9-B478-E242-8132-043D3F70C8A2}"/>
+              </a:ext>
+            </a:extLst>
+          </p:cNvPr>
+          <p:cNvSpPr txBox="1"/>
+          <p:nvPr/>
+        </p:nvSpPr>
+        <p:spPr>
+          <a:xfrm>
+            <a:off x="152400" y="914400"/>
+            <a:ext cx="8991600" cy="4093428"/>
+          </a:xfrm>
+          <a:prstGeom prst="rect">
+            <a:avLst/>
+          </a:prstGeom>
+          <a:noFill/>
+        </p:spPr>
+        <p:txBody>
+          <a:bodyPr wrap="square" rtlCol="0">
+            <a:spAutoFit/>
+          </a:bodyPr>
+          <a:lstStyle/>
+          <a:p>
+            <a:r>
+              <a:rPr lang="en-US" sz="2800"/>
+              <a:t>julyTemps = [</a:t>
+            </a:r>
+            <a:r>
+              <a:rPr lang="en-US" sz="2800">
+                <a:solidFill>
+                  <a:schemeClr val="accent2">
+                    <a:lumMod val="50000"/>
+                  </a:schemeClr>
+                </a:solidFill>
+              </a:rPr>
+              <a:t>87</a:t>
+            </a:r>
+            <a:r>
+              <a:rPr lang="en-US" sz="2800"/>
+              <a:t>,</a:t>
+            </a:r>
+            <a:r>
+              <a:rPr lang="en-US" sz="2800">
+                <a:solidFill>
+                  <a:schemeClr val="accent2">
+                    <a:lumMod val="50000"/>
+                  </a:schemeClr>
+                </a:solidFill>
+              </a:rPr>
+              <a:t> 85</a:t>
+            </a:r>
+            <a:r>
+              <a:rPr lang="en-US" sz="2800"/>
+              <a:t>,</a:t>
+            </a:r>
+            <a:r>
+              <a:rPr lang="en-US" sz="2800">
+                <a:solidFill>
+                  <a:schemeClr val="accent2">
+                    <a:lumMod val="50000"/>
+                  </a:schemeClr>
+                </a:solidFill>
+              </a:rPr>
+              <a:t> 92</a:t>
+            </a:r>
+            <a:r>
+              <a:rPr lang="en-US" sz="2800"/>
+              <a:t>,</a:t>
+            </a:r>
+            <a:r>
+              <a:rPr lang="en-US" sz="2800">
+                <a:solidFill>
+                  <a:schemeClr val="accent2">
+                    <a:lumMod val="50000"/>
+                  </a:schemeClr>
+                </a:solidFill>
+              </a:rPr>
+              <a:t> 79</a:t>
+            </a:r>
+            <a:r>
+              <a:rPr lang="en-US" sz="2800"/>
+              <a:t>,</a:t>
+            </a:r>
+            <a:r>
+              <a:rPr lang="en-US" sz="2800">
+                <a:solidFill>
+                  <a:schemeClr val="accent2">
+                    <a:lumMod val="50000"/>
+                  </a:schemeClr>
+                </a:solidFill>
+              </a:rPr>
+              <a:t> 106</a:t>
+            </a:r>
+            <a:r>
+              <a:rPr lang="en-US" sz="2800"/>
+              <a:t>]</a:t>
+            </a:r>
+          </a:p>
+          <a:p>
+            <a:r>
+              <a:rPr lang="en-US" sz="2800"/>
+              <a:t>hotDays = [ ]</a:t>
+            </a:r>
+          </a:p>
+          <a:p>
+            <a:endParaRPr lang="en-US" sz="2800">
+              <a:solidFill>
+                <a:schemeClr val="accent2">
+                  <a:lumMod val="50000"/>
+                </a:schemeClr>
+              </a:solidFill>
+            </a:endParaRPr>
+          </a:p>
+          <a:p>
+            <a:r>
+              <a:rPr lang="en-US" sz="2800">
+                <a:solidFill>
+                  <a:schemeClr val="accent2">
+                    <a:lumMod val="50000"/>
+                  </a:schemeClr>
+                </a:solidFill>
+              </a:rPr>
+              <a:t>for</a:t>
+            </a:r>
+            <a:r>
+              <a:rPr lang="en-US" sz="2800"/>
+              <a:t> temp </a:t>
+            </a:r>
+            <a:r>
+              <a:rPr lang="en-US" sz="2800">
+                <a:solidFill>
+                  <a:schemeClr val="accent2">
+                    <a:lumMod val="50000"/>
+                  </a:schemeClr>
+                </a:solidFill>
+              </a:rPr>
+              <a:t>in</a:t>
+            </a:r>
+            <a:r>
+              <a:rPr lang="en-US" sz="2800"/>
+              <a:t> julyTemps:</a:t>
+            </a:r>
+          </a:p>
+          <a:p>
+            <a:pPr lvl="1"/>
+            <a:r>
+              <a:rPr lang="en-US" sz="2800">
+                <a:solidFill>
+                  <a:schemeClr val="accent2">
+                    <a:lumMod val="50000"/>
+                  </a:schemeClr>
+                </a:solidFill>
+              </a:rPr>
+              <a:t>if</a:t>
+            </a:r>
+            <a:r>
+              <a:rPr lang="en-US" sz="2800"/>
+              <a:t> temp &gt; </a:t>
+            </a:r>
+            <a:r>
+              <a:rPr lang="en-US" sz="2800">
+                <a:solidFill>
+                  <a:schemeClr val="accent2">
+                    <a:lumMod val="50000"/>
+                  </a:schemeClr>
+                </a:solidFill>
+              </a:rPr>
+              <a:t>90</a:t>
+            </a:r>
+            <a:r>
+              <a:rPr lang="en-US" sz="2800"/>
+              <a:t>:</a:t>
+            </a:r>
+            <a:endParaRPr lang="en-US"/>
+          </a:p>
+          <a:p>
+            <a:pPr lvl="1"/>
+            <a:r>
+              <a:rPr lang="en-US" sz="2800"/>
+              <a:t>hotDays.</a:t>
+            </a:r>
+            <a:r>
+              <a:rPr lang="en-US" sz="2800">
+                <a:solidFill>
+                  <a:schemeClr val="accent2">
+                    <a:lumMod val="50000"/>
+                  </a:schemeClr>
+                </a:solidFill>
+              </a:rPr>
+              <a:t>append(</a:t>
+            </a:r>
+            <a:r>
+              <a:rPr lang="en-US" sz="2800">
+                <a:solidFill>
+                  <a:srgbClr val="C00000"/>
+                </a:solidFill>
+              </a:rPr>
+              <a:t>temp</a:t>
+            </a:r>
+            <a:r>
+              <a:rPr lang="en-US" sz="2800">
+                <a:solidFill>
+                  <a:schemeClr val="accent2">
+                    <a:lumMod val="50000"/>
+                  </a:schemeClr>
+                </a:solidFill>
+              </a:rPr>
+              <a:t>)</a:t>
+            </a:r>
+          </a:p>
+          <a:p>
+            <a:endParaRPr lang="en-US">
+              <a:solidFill>
+                <a:schemeClr val="accent2">
+                  <a:lumMod val="50000"/>
+                </a:schemeClr>
+              </a:solidFill>
+            </a:endParaRPr>
+          </a:p>
+          <a:p>
+            <a:endParaRPr lang="en-US"/>
+          </a:p>
+          <a:p>
+            <a:endParaRPr lang="en-US" sz="2800"/>
+          </a:p>
+          <a:p>
+            <a:r>
+              <a:rPr lang="en-US" sz="2800"/>
+              <a:t>hotDays = [</a:t>
+            </a:r>
+            <a:r>
+              <a:rPr lang="en-US" sz="2800">
+                <a:solidFill>
+                  <a:srgbClr val="C00000"/>
+                </a:solidFill>
+              </a:rPr>
+              <a:t>temp</a:t>
+            </a:r>
+            <a:r>
+              <a:rPr lang="en-US" sz="2800"/>
+              <a:t> </a:t>
+            </a:r>
+            <a:r>
+              <a:rPr lang="en-US" sz="2800">
+                <a:solidFill>
+                  <a:schemeClr val="accent2">
+                    <a:lumMod val="50000"/>
+                  </a:schemeClr>
+                </a:solidFill>
+              </a:rPr>
+              <a:t>for</a:t>
+            </a:r>
+            <a:r>
+              <a:rPr lang="en-US" sz="2800"/>
+              <a:t> temp </a:t>
+            </a:r>
+            <a:r>
+              <a:rPr lang="en-US" sz="2800">
+                <a:solidFill>
+                  <a:schemeClr val="accent2">
+                    <a:lumMod val="50000"/>
+                  </a:schemeClr>
+                </a:solidFill>
+              </a:rPr>
+              <a:t>in</a:t>
+            </a:r>
+            <a:r>
+              <a:rPr lang="en-US" sz="2800"/>
+              <a:t> julyTemps </a:t>
+            </a:r>
+            <a:r>
+              <a:rPr lang="en-US" sz="2800">
+                <a:solidFill>
+                  <a:schemeClr val="accent2">
+                    <a:lumMod val="50000"/>
+                  </a:schemeClr>
+                </a:solidFill>
+              </a:rPr>
+              <a:t>if temp &gt; 90</a:t>
+            </a:r>
+            <a:r>
+              <a:rPr lang="en-US" sz="2800"/>
+              <a:t>]</a:t>
+            </a:r>
+          </a:p>
+        </p:txBody>
+      </p:sp>
+      <p:sp>
+        <p:nvSpPr>
+          <p:cNvPr id="4" name="TextBox 3">
+            <a:extLst>
+              <a:ext uri="{FF2B5EF4-FFF2-40B4-BE49-F238E27FC236}">
+                <a16:creationId xmlns:a16="http://schemas.microsoft.com/office/drawing/2014/main" id="{6EDD3868-1CB5-514A-BF35-E1D714BC8FFF}"/>
+              </a:ext>
+            </a:extLst>
+          </p:cNvPr>
+          <p:cNvSpPr txBox="1"/>
+          <p:nvPr/>
+        </p:nvSpPr>
+        <p:spPr>
+          <a:xfrm>
+            <a:off x="76200" y="5715000"/>
+            <a:ext cx="9067800" cy="461665"/>
+          </a:xfrm>
+          <a:prstGeom prst="rect">
+            <a:avLst/>
+          </a:prstGeom>
+          <a:noFill/>
+        </p:spPr>
+        <p:txBody>
+          <a:bodyPr wrap="square" rtlCol="0">
+            <a:spAutoFit/>
+          </a:bodyPr>
+          <a:lstStyle/>
+          <a:p>
+            <a:r>
+              <a:rPr lang="en-US" sz="2400" b="1">
+                <a:solidFill>
+                  <a:srgbClr val="C00000"/>
+                </a:solidFill>
+              </a:rPr>
+              <a:t>Final assignment variable is first in the equation on the right</a:t>
             </a:r>
           </a:p>
         </p:txBody>
@@ -3923,7 +4857,7 @@
     </p:spTree>
     <p:extLst>
       <p:ext uri="{BB962C8B-B14F-4D97-AF65-F5344CB8AC3E}">
-        <p14:creationId xmlns:p14="http://schemas.microsoft.com/office/powerpoint/2010/main" val="2165655400"/>
+        <p14:creationId xmlns:p14="http://schemas.microsoft.com/office/powerpoint/2010/main" val="4002076416"/>
       </p:ext>
     </p:extLst>
   </p:cSld>
@@ -3967,7 +4901,7 @@
           <p:cNvPr id="2" name="Title 1">
             <a:extLst>
               <a:ext uri="{FF2B5EF4-FFF2-40B4-BE49-F238E27FC236}">
-                <a16:creationId xmlns:a16="http://schemas.microsoft.com/office/drawing/2014/main" id="{3C78FFB4-51FB-5D4C-B7DA-8F94CBF2D2A2}"/>
+                <a16:creationId xmlns:a16="http://schemas.microsoft.com/office/drawing/2014/main" id="{39182456-59EF-E348-9971-16BFE5681F33}"/>
               </a:ext>
             </a:extLst>
           </p:cNvPr>
@@ -3980,213 +4914,20 @@
         </p:nvSpPr>
         <p:spPr/>
         <p:txBody>
-          <a:bodyPr>
-            <a:normAutofit/>
-          </a:bodyPr>
+          <a:bodyPr/>
           <a:lstStyle/>
           <a:p>
             <a:r>
-              <a:rPr lang="en-US" sz="3200"/>
-              <a:t>Usage</a:t>
-            </a:r>
-          </a:p>
-        </p:txBody>
-      </p:sp>
-      <p:sp>
-        <p:nvSpPr>
-          <p:cNvPr id="3" name="TextBox 2">
-            <a:extLst>
-              <a:ext uri="{FF2B5EF4-FFF2-40B4-BE49-F238E27FC236}">
-                <a16:creationId xmlns:a16="http://schemas.microsoft.com/office/drawing/2014/main" id="{7142773C-7845-4C4F-BD9B-60326504D58C}"/>
-              </a:ext>
-            </a:extLst>
-          </p:cNvPr>
-          <p:cNvSpPr txBox="1"/>
-          <p:nvPr/>
-        </p:nvSpPr>
-        <p:spPr>
-          <a:xfrm>
-            <a:off x="304800" y="797778"/>
-            <a:ext cx="8534400" cy="5047536"/>
-          </a:xfrm>
-          <a:prstGeom prst="rect">
-            <a:avLst/>
-          </a:prstGeom>
-          <a:noFill/>
-        </p:spPr>
-        <p:txBody>
-          <a:bodyPr wrap="square" rtlCol="0">
-            <a:spAutoFit/>
-          </a:bodyPr>
-          <a:lstStyle/>
-          <a:p>
-            <a:r>
-              <a:rPr lang="en-US" sz="2800"/>
-              <a:t>What?</a:t>
-            </a:r>
-          </a:p>
-          <a:p>
-            <a:pPr marL="457200" indent="-457200">
-              <a:buFont typeface="Arial" panose="020B0604020202020204" pitchFamily="34" charset="0"/>
-              <a:buChar char="•"/>
-            </a:pPr>
-            <a:r>
-              <a:rPr lang="en-US" sz="2800"/>
-              <a:t>A way for us to give a name to a set of instructions we want to be able to repeat.</a:t>
-            </a:r>
-          </a:p>
-          <a:p>
-            <a:endParaRPr lang="en-US"/>
-          </a:p>
-          <a:p>
-            <a:r>
-              <a:rPr lang="en-US" sz="2800"/>
-              <a:t>Why?</a:t>
-            </a:r>
-          </a:p>
-          <a:p>
-            <a:pPr marL="457200" indent="-457200">
-              <a:buFont typeface="Arial" panose="020B0604020202020204" pitchFamily="34" charset="0"/>
-              <a:buChar char="•"/>
-            </a:pPr>
-            <a:r>
-              <a:rPr lang="en-US" sz="2800"/>
-              <a:t>Avoid redundancy = reusable codes</a:t>
-            </a:r>
-          </a:p>
-          <a:p>
-            <a:pPr marL="457200" indent="-457200">
-              <a:buFont typeface="Arial" panose="020B0604020202020204" pitchFamily="34" charset="0"/>
-              <a:buChar char="•"/>
-            </a:pPr>
-            <a:r>
-              <a:rPr lang="en-US" sz="2800"/>
-              <a:t>Less error-prone = consistency</a:t>
-            </a:r>
-          </a:p>
-          <a:p>
-            <a:pPr marL="457200" indent="-457200">
-              <a:buFont typeface="Arial" panose="020B0604020202020204" pitchFamily="34" charset="0"/>
-              <a:buChar char="•"/>
-            </a:pPr>
-            <a:r>
-              <a:rPr lang="en-US" sz="2800"/>
-              <a:t>Alleviate maintenance overhead</a:t>
-            </a:r>
-          </a:p>
-          <a:p>
-            <a:pPr marL="457200" indent="-457200">
-              <a:buFont typeface="Arial" panose="020B0604020202020204" pitchFamily="34" charset="0"/>
-              <a:buChar char="•"/>
-            </a:pPr>
-            <a:r>
-              <a:rPr lang="en-US" sz="2800"/>
-              <a:t>DRY vs. WET mantra:</a:t>
-            </a:r>
-          </a:p>
-          <a:p>
-            <a:pPr marL="914400" lvl="1" indent="-457200">
-              <a:buFont typeface="Arial" panose="020B0604020202020204" pitchFamily="34" charset="0"/>
-              <a:buChar char="•"/>
-            </a:pPr>
-            <a:r>
-              <a:rPr lang="en-US" sz="2800">
-                <a:solidFill>
-                  <a:srgbClr val="C00000"/>
-                </a:solidFill>
-              </a:rPr>
-              <a:t>D</a:t>
-            </a:r>
-            <a:r>
-              <a:rPr lang="en-US" sz="2800"/>
-              <a:t>on’t </a:t>
-            </a:r>
-            <a:r>
-              <a:rPr lang="en-US" sz="2800">
-                <a:solidFill>
-                  <a:srgbClr val="C00000"/>
-                </a:solidFill>
-              </a:rPr>
-              <a:t>R</a:t>
-            </a:r>
-            <a:r>
-              <a:rPr lang="en-US" sz="2800"/>
-              <a:t>epeat </a:t>
-            </a:r>
-            <a:r>
-              <a:rPr lang="en-US" sz="2800">
-                <a:solidFill>
-                  <a:srgbClr val="C00000"/>
-                </a:solidFill>
-              </a:rPr>
-              <a:t>Y</a:t>
-            </a:r>
-            <a:r>
-              <a:rPr lang="en-US" sz="2800"/>
-              <a:t>ourself (do’s)</a:t>
-            </a:r>
-          </a:p>
-          <a:p>
-            <a:pPr marL="914400" lvl="1" indent="-457200">
-              <a:buFont typeface="Arial" panose="020B0604020202020204" pitchFamily="34" charset="0"/>
-              <a:buChar char="•"/>
-            </a:pPr>
-            <a:r>
-              <a:rPr lang="en-US" sz="2800">
-                <a:solidFill>
-                  <a:srgbClr val="FF0000"/>
-                </a:solidFill>
-              </a:rPr>
-              <a:t>W</a:t>
-            </a:r>
-            <a:r>
-              <a:rPr lang="en-US" sz="2800"/>
-              <a:t>rite </a:t>
-            </a:r>
-            <a:r>
-              <a:rPr lang="en-US" sz="2800">
-                <a:solidFill>
-                  <a:srgbClr val="FF0000"/>
-                </a:solidFill>
-              </a:rPr>
-              <a:t>E</a:t>
-            </a:r>
-            <a:r>
-              <a:rPr lang="en-US" sz="2800"/>
-              <a:t>verything </a:t>
-            </a:r>
-            <a:r>
-              <a:rPr lang="en-US" sz="2800">
-                <a:solidFill>
-                  <a:srgbClr val="FF0000"/>
-                </a:solidFill>
-              </a:rPr>
-              <a:t>T</a:t>
-            </a:r>
-            <a:r>
-              <a:rPr lang="en-US" sz="2800"/>
-              <a:t>wice (don’ts)</a:t>
-            </a:r>
-          </a:p>
-          <a:p>
-            <a:pPr marL="914400" lvl="1" indent="-457200">
-              <a:buFont typeface="Arial" panose="020B0604020202020204" pitchFamily="34" charset="0"/>
-              <a:buChar char="•"/>
-            </a:pPr>
-            <a:r>
-              <a:rPr lang="en-US" sz="2400">
-                <a:hlinkClick r:id="rId2"/>
-              </a:rPr>
-              <a:t>https://en.wikipedia.org/wiki/Don%27t_repeat_yourself</a:t>
-            </a:r>
-            <a:endParaRPr lang="en-US" sz="2400"/>
+              <a:rPr lang="en-US"/>
+              <a:t>Functions</a:t>
+            </a:r>
           </a:p>
         </p:txBody>
       </p:sp>
     </p:spTree>
     <p:extLst>
       <p:ext uri="{BB962C8B-B14F-4D97-AF65-F5344CB8AC3E}">
-        <p14:creationId xmlns:p14="http://schemas.microsoft.com/office/powerpoint/2010/main" val="2913475415"/>
+        <p14:creationId xmlns:p14="http://schemas.microsoft.com/office/powerpoint/2010/main" val="2165655400"/>
       </p:ext>
     </p:extLst>
   </p:cSld>
@@ -4230,6 +4971,269 @@
           <p:cNvPr id="2" name="Title 1">
             <a:extLst>
               <a:ext uri="{FF2B5EF4-FFF2-40B4-BE49-F238E27FC236}">
+                <a16:creationId xmlns:a16="http://schemas.microsoft.com/office/drawing/2014/main" id="{3C78FFB4-51FB-5D4C-B7DA-8F94CBF2D2A2}"/>
+              </a:ext>
+            </a:extLst>
+          </p:cNvPr>
+          <p:cNvSpPr>
+            <a:spLocks noGrp="1"/>
+          </p:cNvSpPr>
+          <p:nvPr>
+            <p:ph type="title"/>
+          </p:nvPr>
+        </p:nvSpPr>
+        <p:spPr/>
+        <p:txBody>
+          <a:bodyPr>
+            <a:normAutofit/>
+          </a:bodyPr>
+          <a:lstStyle/>
+          <a:p>
+            <a:r>
+              <a:rPr lang="en-US" sz="3200"/>
+              <a:t>Usage</a:t>
+            </a:r>
+          </a:p>
+        </p:txBody>
+      </p:sp>
+      <p:sp>
+        <p:nvSpPr>
+          <p:cNvPr id="3" name="TextBox 2">
+            <a:extLst>
+              <a:ext uri="{FF2B5EF4-FFF2-40B4-BE49-F238E27FC236}">
+                <a16:creationId xmlns:a16="http://schemas.microsoft.com/office/drawing/2014/main" id="{7142773C-7845-4C4F-BD9B-60326504D58C}"/>
+              </a:ext>
+            </a:extLst>
+          </p:cNvPr>
+          <p:cNvSpPr txBox="1"/>
+          <p:nvPr/>
+        </p:nvSpPr>
+        <p:spPr>
+          <a:xfrm>
+            <a:off x="304800" y="797778"/>
+            <a:ext cx="8534400" cy="5047536"/>
+          </a:xfrm>
+          <a:prstGeom prst="rect">
+            <a:avLst/>
+          </a:prstGeom>
+          <a:noFill/>
+        </p:spPr>
+        <p:txBody>
+          <a:bodyPr wrap="square" rtlCol="0">
+            <a:spAutoFit/>
+          </a:bodyPr>
+          <a:lstStyle/>
+          <a:p>
+            <a:r>
+              <a:rPr lang="en-US" sz="2800"/>
+              <a:t>What?</a:t>
+            </a:r>
+          </a:p>
+          <a:p>
+            <a:pPr marL="457200" indent="-457200">
+              <a:buFont typeface="Arial" panose="020B0604020202020204" pitchFamily="34" charset="0"/>
+              <a:buChar char="•"/>
+            </a:pPr>
+            <a:r>
+              <a:rPr lang="en-US" sz="2800"/>
+              <a:t>A way for us to give a name to a set of instructions we want to be able to repeat.</a:t>
+            </a:r>
+          </a:p>
+          <a:p>
+            <a:endParaRPr lang="en-US"/>
+          </a:p>
+          <a:p>
+            <a:r>
+              <a:rPr lang="en-US" sz="2800"/>
+              <a:t>Why?</a:t>
+            </a:r>
+          </a:p>
+          <a:p>
+            <a:pPr marL="457200" indent="-457200">
+              <a:buFont typeface="Arial" panose="020B0604020202020204" pitchFamily="34" charset="0"/>
+              <a:buChar char="•"/>
+            </a:pPr>
+            <a:r>
+              <a:rPr lang="en-US" sz="2800"/>
+              <a:t>Avoid redundancy = reusable codes</a:t>
+            </a:r>
+          </a:p>
+          <a:p>
+            <a:pPr marL="457200" indent="-457200">
+              <a:buFont typeface="Arial" panose="020B0604020202020204" pitchFamily="34" charset="0"/>
+              <a:buChar char="•"/>
+            </a:pPr>
+            <a:r>
+              <a:rPr lang="en-US" sz="2800"/>
+              <a:t>Less error-prone = consistency</a:t>
+            </a:r>
+          </a:p>
+          <a:p>
+            <a:pPr marL="457200" indent="-457200">
+              <a:buFont typeface="Arial" panose="020B0604020202020204" pitchFamily="34" charset="0"/>
+              <a:buChar char="•"/>
+            </a:pPr>
+            <a:r>
+              <a:rPr lang="en-US" sz="2800"/>
+              <a:t>Alleviate maintenance overhead</a:t>
+            </a:r>
+          </a:p>
+          <a:p>
+            <a:pPr marL="457200" indent="-457200">
+              <a:buFont typeface="Arial" panose="020B0604020202020204" pitchFamily="34" charset="0"/>
+              <a:buChar char="•"/>
+            </a:pPr>
+            <a:r>
+              <a:rPr lang="en-US" sz="2800"/>
+              <a:t>DRY vs. WET mantra:</a:t>
+            </a:r>
+          </a:p>
+          <a:p>
+            <a:pPr marL="914400" lvl="1" indent="-457200">
+              <a:buFont typeface="Arial" panose="020B0604020202020204" pitchFamily="34" charset="0"/>
+              <a:buChar char="•"/>
+            </a:pPr>
+            <a:r>
+              <a:rPr lang="en-US" sz="2800">
+                <a:solidFill>
+                  <a:srgbClr val="C00000"/>
+                </a:solidFill>
+              </a:rPr>
+              <a:t>D</a:t>
+            </a:r>
+            <a:r>
+              <a:rPr lang="en-US" sz="2800"/>
+              <a:t>on’t </a:t>
+            </a:r>
+            <a:r>
+              <a:rPr lang="en-US" sz="2800">
+                <a:solidFill>
+                  <a:srgbClr val="C00000"/>
+                </a:solidFill>
+              </a:rPr>
+              <a:t>R</a:t>
+            </a:r>
+            <a:r>
+              <a:rPr lang="en-US" sz="2800"/>
+              <a:t>epeat </a:t>
+            </a:r>
+            <a:r>
+              <a:rPr lang="en-US" sz="2800">
+                <a:solidFill>
+                  <a:srgbClr val="C00000"/>
+                </a:solidFill>
+              </a:rPr>
+              <a:t>Y</a:t>
+            </a:r>
+            <a:r>
+              <a:rPr lang="en-US" sz="2800"/>
+              <a:t>ourself (do’s)</a:t>
+            </a:r>
+          </a:p>
+          <a:p>
+            <a:pPr marL="914400" lvl="1" indent="-457200">
+              <a:buFont typeface="Arial" panose="020B0604020202020204" pitchFamily="34" charset="0"/>
+              <a:buChar char="•"/>
+            </a:pPr>
+            <a:r>
+              <a:rPr lang="en-US" sz="2800">
+                <a:solidFill>
+                  <a:srgbClr val="FF0000"/>
+                </a:solidFill>
+              </a:rPr>
+              <a:t>W</a:t>
+            </a:r>
+            <a:r>
+              <a:rPr lang="en-US" sz="2800"/>
+              <a:t>rite </a:t>
+            </a:r>
+            <a:r>
+              <a:rPr lang="en-US" sz="2800">
+                <a:solidFill>
+                  <a:srgbClr val="FF0000"/>
+                </a:solidFill>
+              </a:rPr>
+              <a:t>E</a:t>
+            </a:r>
+            <a:r>
+              <a:rPr lang="en-US" sz="2800"/>
+              <a:t>verything </a:t>
+            </a:r>
+            <a:r>
+              <a:rPr lang="en-US" sz="2800">
+                <a:solidFill>
+                  <a:srgbClr val="FF0000"/>
+                </a:solidFill>
+              </a:rPr>
+              <a:t>T</a:t>
+            </a:r>
+            <a:r>
+              <a:rPr lang="en-US" sz="2800"/>
+              <a:t>wice (don’ts)</a:t>
+            </a:r>
+          </a:p>
+          <a:p>
+            <a:pPr marL="914400" lvl="1" indent="-457200">
+              <a:buFont typeface="Arial" panose="020B0604020202020204" pitchFamily="34" charset="0"/>
+              <a:buChar char="•"/>
+            </a:pPr>
+            <a:r>
+              <a:rPr lang="en-US" sz="2400">
+                <a:hlinkClick r:id="rId2"/>
+              </a:rPr>
+              <a:t>https://en.wikipedia.org/wiki/Don%27t_repeat_yourself</a:t>
+            </a:r>
+            <a:endParaRPr lang="en-US" sz="2400"/>
+          </a:p>
+        </p:txBody>
+      </p:sp>
+    </p:spTree>
+    <p:extLst>
+      <p:ext uri="{BB962C8B-B14F-4D97-AF65-F5344CB8AC3E}">
+        <p14:creationId xmlns:p14="http://schemas.microsoft.com/office/powerpoint/2010/main" val="2913475415"/>
+      </p:ext>
+    </p:extLst>
+  </p:cSld>
+  <p:clrMapOvr>
+    <a:masterClrMapping/>
+  </p:clrMapOvr>
+  <mc:AlternateContent xmlns:mc="http://schemas.openxmlformats.org/markup-compatibility/2006" xmlns:p14="http://schemas.microsoft.com/office/powerpoint/2010/main">
+    <mc:Choice Requires="p14">
+      <p:transition p14:dur="300">
+        <p:fade/>
+      </p:transition>
+    </mc:Choice>
+    <mc:Fallback xmlns="">
+      <p:transition>
+        <p:fade/>
+      </p:transition>
+    </mc:Fallback>
+  </mc:AlternateContent>
+</p:sld>
+</file>
+
+<file path=ppt/slides/slide14.xml><?xml version="1.0" encoding="utf-8"?>
+<p:sld xmlns:a="http://schemas.openxmlformats.org/drawingml/2006/main" xmlns:r="http://schemas.openxmlformats.org/officeDocument/2006/relationships" xmlns:p="http://schemas.openxmlformats.org/presentationml/2006/main">
+  <p:cSld>
+    <p:spTree>
+      <p:nvGrpSpPr>
+        <p:cNvPr id="1" name=""/>
+        <p:cNvGrpSpPr/>
+        <p:nvPr/>
+      </p:nvGrpSpPr>
+      <p:grpSpPr>
+        <a:xfrm>
+          <a:off x="0" y="0"/>
+          <a:ext cx="0" cy="0"/>
+          <a:chOff x="0" y="0"/>
+          <a:chExt cx="0" cy="0"/>
+        </a:xfrm>
+      </p:grpSpPr>
+      <p:sp>
+        <p:nvSpPr>
+          <p:cNvPr id="2" name="Title 1">
+            <a:extLst>
+              <a:ext uri="{FF2B5EF4-FFF2-40B4-BE49-F238E27FC236}">
                 <a16:creationId xmlns:a16="http://schemas.microsoft.com/office/drawing/2014/main" id="{418D197A-904D-FB4F-BA4B-89AF516F8533}"/>
               </a:ext>
             </a:extLst>
@@ -4393,7 +5397,7 @@
 </p:sld>
 </file>
 
-<file path=ppt/slides/slide14.xml><?xml version="1.0" encoding="utf-8"?>
+<file path=ppt/slides/slide15.xml><?xml version="1.0" encoding="utf-8"?>
 <p:sld xmlns:a="http://schemas.openxmlformats.org/drawingml/2006/main" xmlns:r="http://schemas.openxmlformats.org/officeDocument/2006/relationships" xmlns:p="http://schemas.openxmlformats.org/presentationml/2006/main">
   <p:cSld>
     <p:spTree>
@@ -4838,7 +5842,7 @@
 </p:sld>
 </file>
 
-<file path=ppt/slides/slide15.xml><?xml version="1.0" encoding="utf-8"?>
+<file path=ppt/slides/slide16.xml><?xml version="1.0" encoding="utf-8"?>
 <p:sld xmlns:a="http://schemas.openxmlformats.org/drawingml/2006/main" xmlns:r="http://schemas.openxmlformats.org/officeDocument/2006/relationships" xmlns:p="http://schemas.openxmlformats.org/presentationml/2006/main">
   <p:cSld>
     <p:spTree>
@@ -5247,76 +6251,6 @@
 </p:sld>
 </file>
 
-<file path=ppt/slides/slide16.xml><?xml version="1.0" encoding="utf-8"?>
-<p:sld xmlns:a="http://schemas.openxmlformats.org/drawingml/2006/main" xmlns:r="http://schemas.openxmlformats.org/officeDocument/2006/relationships" xmlns:p="http://schemas.openxmlformats.org/presentationml/2006/main">
-  <p:cSld>
-    <p:spTree>
-      <p:nvGrpSpPr>
-        <p:cNvPr id="1" name=""/>
-        <p:cNvGrpSpPr/>
-        <p:nvPr/>
-      </p:nvGrpSpPr>
-      <p:grpSpPr>
-        <a:xfrm>
-          <a:off x="0" y="0"/>
-          <a:ext cx="0" cy="0"/>
-          <a:chOff x="0" y="0"/>
-          <a:chExt cx="0" cy="0"/>
-        </a:xfrm>
-      </p:grpSpPr>
-      <p:sp>
-        <p:nvSpPr>
-          <p:cNvPr id="2" name="Title 1">
-            <a:extLst>
-              <a:ext uri="{FF2B5EF4-FFF2-40B4-BE49-F238E27FC236}">
-                <a16:creationId xmlns:a16="http://schemas.microsoft.com/office/drawing/2014/main" id="{940AF420-9CEB-444B-B692-5E81CC5F7A2F}"/>
-              </a:ext>
-            </a:extLst>
-          </p:cNvPr>
-          <p:cNvSpPr>
-            <a:spLocks noGrp="1"/>
-          </p:cNvSpPr>
-          <p:nvPr>
-            <p:ph type="title"/>
-          </p:nvPr>
-        </p:nvSpPr>
-        <p:spPr/>
-        <p:txBody>
-          <a:bodyPr/>
-          <a:lstStyle/>
-          <a:p>
-            <a:r>
-              <a:rPr lang="en-US"/>
-              <a:t>Introduction to git</a:t>
-            </a:r>
-          </a:p>
-        </p:txBody>
-      </p:sp>
-    </p:spTree>
-    <p:extLst>
-      <p:ext uri="{BB962C8B-B14F-4D97-AF65-F5344CB8AC3E}">
-        <p14:creationId xmlns:p14="http://schemas.microsoft.com/office/powerpoint/2010/main" val="1372730233"/>
-      </p:ext>
-    </p:extLst>
-  </p:cSld>
-  <p:clrMapOvr>
-    <a:masterClrMapping/>
-  </p:clrMapOvr>
-  <mc:AlternateContent xmlns:mc="http://schemas.openxmlformats.org/markup-compatibility/2006" xmlns:p14="http://schemas.microsoft.com/office/powerpoint/2010/main">
-    <mc:Choice Requires="p14">
-      <p:transition p14:dur="300">
-        <p:fade/>
-      </p:transition>
-    </mc:Choice>
-    <mc:Fallback xmlns="">
-      <p:transition>
-        <p:fade/>
-      </p:transition>
-    </mc:Fallback>
-  </mc:AlternateContent>
-</p:sld>
-</file>
-
 <file path=ppt/slides/slide17.xml><?xml version="1.0" encoding="utf-8"?>
 <p:sld xmlns:a="http://schemas.openxmlformats.org/drawingml/2006/main" xmlns:r="http://schemas.openxmlformats.org/officeDocument/2006/relationships" xmlns:p="http://schemas.openxmlformats.org/presentationml/2006/main">
   <p:cSld>
@@ -5339,7 +6273,7 @@
           <p:cNvPr id="2" name="Title 1">
             <a:extLst>
               <a:ext uri="{FF2B5EF4-FFF2-40B4-BE49-F238E27FC236}">
-                <a16:creationId xmlns:a16="http://schemas.microsoft.com/office/drawing/2014/main" id="{E71A1E49-ED03-2F41-9D43-8F6A8951B89D}"/>
+                <a16:creationId xmlns:a16="http://schemas.microsoft.com/office/drawing/2014/main" id="{940AF420-9CEB-444B-B692-5E81CC5F7A2F}"/>
               </a:ext>
             </a:extLst>
           </p:cNvPr>
@@ -5350,65 +6284,22 @@
             <p:ph type="title"/>
           </p:nvPr>
         </p:nvSpPr>
-        <p:spPr>
-          <a:xfrm>
-            <a:off x="304800" y="0"/>
-            <a:ext cx="4267200" cy="653854"/>
-          </a:xfrm>
-        </p:spPr>
-        <p:txBody>
-          <a:bodyPr>
-            <a:normAutofit/>
-          </a:bodyPr>
+        <p:spPr/>
+        <p:txBody>
+          <a:bodyPr/>
           <a:lstStyle/>
           <a:p>
             <a:r>
-              <a:rPr lang="en-US" sz="3200"/>
-              <a:t>Basic Commands</a:t>
-            </a:r>
-          </a:p>
-        </p:txBody>
-      </p:sp>
-      <p:pic>
-        <p:nvPicPr>
-          <p:cNvPr id="5" name="Picture 4" descr="A screenshot of a cell phone&#13;&#10;&#13;&#10;Description automatically generated">
-            <a:extLst>
-              <a:ext uri="{FF2B5EF4-FFF2-40B4-BE49-F238E27FC236}">
-                <a16:creationId xmlns:a16="http://schemas.microsoft.com/office/drawing/2014/main" id="{B29CA956-8428-FE41-874B-5ECAAFE2FE9F}"/>
-              </a:ext>
-            </a:extLst>
-          </p:cNvPr>
-          <p:cNvPicPr>
-            <a:picLocks noChangeAspect="1"/>
-          </p:cNvPicPr>
-          <p:nvPr/>
-        </p:nvPicPr>
-        <p:blipFill>
-          <a:blip r:embed="rId2">
-            <a:extLst>
-              <a:ext uri="{28A0092B-C50C-407E-A947-70E740481C1C}">
-                <a14:useLocalDpi xmlns:a14="http://schemas.microsoft.com/office/drawing/2010/main" val="0"/>
-              </a:ext>
-            </a:extLst>
-          </a:blip>
-          <a:stretch>
-            <a:fillRect/>
-          </a:stretch>
-        </p:blipFill>
-        <p:spPr>
-          <a:xfrm>
-            <a:off x="201287" y="1066800"/>
-            <a:ext cx="8790313" cy="4669414"/>
-          </a:xfrm>
-          <a:prstGeom prst="rect">
-            <a:avLst/>
-          </a:prstGeom>
-        </p:spPr>
-      </p:pic>
+              <a:rPr lang="en-US"/>
+              <a:t>Introduction to git</a:t>
+            </a:r>
+          </a:p>
+        </p:txBody>
+      </p:sp>
     </p:spTree>
     <p:extLst>
       <p:ext uri="{BB962C8B-B14F-4D97-AF65-F5344CB8AC3E}">
-        <p14:creationId xmlns:p14="http://schemas.microsoft.com/office/powerpoint/2010/main" val="3244269290"/>
+        <p14:creationId xmlns:p14="http://schemas.microsoft.com/office/powerpoint/2010/main" val="1372730233"/>
       </p:ext>
     </p:extLst>
   </p:cSld>
@@ -5466,7 +6357,7 @@
         <p:spPr>
           <a:xfrm>
             <a:off x="304800" y="0"/>
-            <a:ext cx="5334000" cy="653854"/>
+            <a:ext cx="4267200" cy="653854"/>
           </a:xfrm>
         </p:spPr>
         <p:txBody>
@@ -5477,17 +6368,17 @@
           <a:p>
             <a:r>
               <a:rPr lang="en-US" sz="3200"/>
-              <a:t>Basic Commands Cont’d</a:t>
+              <a:t>Basic Commands</a:t>
             </a:r>
           </a:p>
         </p:txBody>
       </p:sp>
       <p:pic>
         <p:nvPicPr>
-          <p:cNvPr id="4" name="Picture 3" descr="A screenshot of a cell phone&#13;&#10;&#13;&#10;Description automatically generated">
+          <p:cNvPr id="5" name="Picture 4" descr="A screenshot of a cell phone&#13;&#10;&#13;&#10;Description automatically generated">
             <a:extLst>
               <a:ext uri="{FF2B5EF4-FFF2-40B4-BE49-F238E27FC236}">
-                <a16:creationId xmlns:a16="http://schemas.microsoft.com/office/drawing/2014/main" id="{8BED5574-7BB1-854F-BE27-EE5D555E79D3}"/>
+                <a16:creationId xmlns:a16="http://schemas.microsoft.com/office/drawing/2014/main" id="{B29CA956-8428-FE41-874B-5ECAAFE2FE9F}"/>
               </a:ext>
             </a:extLst>
           </p:cNvPr>
@@ -5510,8 +6401,8 @@
         </p:blipFill>
         <p:spPr>
           <a:xfrm>
-            <a:off x="375424" y="1159119"/>
-            <a:ext cx="8463776" cy="3336681"/>
+            <a:off x="201287" y="1066800"/>
+            <a:ext cx="8790313" cy="4669414"/>
           </a:xfrm>
           <a:prstGeom prst="rect">
             <a:avLst/>
@@ -5521,7 +6412,7 @@
     </p:spTree>
     <p:extLst>
       <p:ext uri="{BB962C8B-B14F-4D97-AF65-F5344CB8AC3E}">
-        <p14:creationId xmlns:p14="http://schemas.microsoft.com/office/powerpoint/2010/main" val="374884676"/>
+        <p14:creationId xmlns:p14="http://schemas.microsoft.com/office/powerpoint/2010/main" val="3244269290"/>
       </p:ext>
     </p:extLst>
   </p:cSld>
@@ -5597,10 +6488,10 @@
       </p:sp>
       <p:pic>
         <p:nvPicPr>
-          <p:cNvPr id="7" name="Picture 6" descr="A screenshot of a cell phone&#13;&#10;&#13;&#10;Description automatically generated">
+          <p:cNvPr id="4" name="Picture 3" descr="A screenshot of a cell phone&#13;&#10;&#13;&#10;Description automatically generated">
             <a:extLst>
               <a:ext uri="{FF2B5EF4-FFF2-40B4-BE49-F238E27FC236}">
-                <a16:creationId xmlns:a16="http://schemas.microsoft.com/office/drawing/2014/main" id="{D67DB28F-8733-4C48-974A-F3F7939F0E92}"/>
+                <a16:creationId xmlns:a16="http://schemas.microsoft.com/office/drawing/2014/main" id="{8BED5574-7BB1-854F-BE27-EE5D555E79D3}"/>
               </a:ext>
             </a:extLst>
           </p:cNvPr>
@@ -5623,77 +6514,18 @@
         </p:blipFill>
         <p:spPr>
           <a:xfrm>
-            <a:off x="304800" y="914400"/>
-            <a:ext cx="8534400" cy="4529584"/>
+            <a:off x="375424" y="1159119"/>
+            <a:ext cx="8463776" cy="3336681"/>
           </a:xfrm>
           <a:prstGeom prst="rect">
             <a:avLst/>
           </a:prstGeom>
         </p:spPr>
       </p:pic>
-      <p:sp>
-        <p:nvSpPr>
-          <p:cNvPr id="8" name="TextBox 7">
-            <a:extLst>
-              <a:ext uri="{FF2B5EF4-FFF2-40B4-BE49-F238E27FC236}">
-                <a16:creationId xmlns:a16="http://schemas.microsoft.com/office/drawing/2014/main" id="{F56C5835-89BA-5649-9086-717FA35BB0E0}"/>
-              </a:ext>
-            </a:extLst>
-          </p:cNvPr>
-          <p:cNvSpPr txBox="1"/>
-          <p:nvPr/>
-        </p:nvSpPr>
-        <p:spPr>
-          <a:xfrm>
-            <a:off x="304800" y="5562600"/>
-            <a:ext cx="8382000" cy="523220"/>
-          </a:xfrm>
-          <a:prstGeom prst="rect">
-            <a:avLst/>
-          </a:prstGeom>
-          <a:noFill/>
-        </p:spPr>
-        <p:txBody>
-          <a:bodyPr wrap="square" rtlCol="0">
-            <a:spAutoFit/>
-          </a:bodyPr>
-          <a:lstStyle/>
-          <a:p>
-            <a:r>
-              <a:rPr lang="en-US" sz="2800">
-                <a:solidFill>
-                  <a:schemeClr val="accent2">
-                    <a:lumMod val="50000"/>
-                  </a:schemeClr>
-                </a:solidFill>
-              </a:rPr>
-              <a:t>git add </a:t>
-            </a:r>
-            <a:r>
-              <a:rPr lang="en-US" sz="2800" b="1">
-                <a:solidFill>
-                  <a:schemeClr val="accent2">
-                    <a:lumMod val="50000"/>
-                  </a:schemeClr>
-                </a:solidFill>
-              </a:rPr>
-              <a:t>.</a:t>
-            </a:r>
-            <a:r>
-              <a:rPr lang="en-US" sz="2800" b="1"/>
-              <a:t> </a:t>
-            </a:r>
-            <a:r>
-              <a:rPr lang="en-US" sz="2400"/>
-              <a:t>to add all</a:t>
-            </a:r>
-          </a:p>
-        </p:txBody>
-      </p:sp>
     </p:spTree>
     <p:extLst>
       <p:ext uri="{BB962C8B-B14F-4D97-AF65-F5344CB8AC3E}">
-        <p14:creationId xmlns:p14="http://schemas.microsoft.com/office/powerpoint/2010/main" val="1242048080"/>
+        <p14:creationId xmlns:p14="http://schemas.microsoft.com/office/powerpoint/2010/main" val="374884676"/>
       </p:ext>
     </p:extLst>
   </p:cSld>
@@ -5737,7 +6569,7 @@
           <p:cNvPr id="2" name="Title 1">
             <a:extLst>
               <a:ext uri="{FF2B5EF4-FFF2-40B4-BE49-F238E27FC236}">
-                <a16:creationId xmlns:a16="http://schemas.microsoft.com/office/drawing/2014/main" id="{AE8F711F-D462-9D49-B382-8F60AB49AA1B}"/>
+                <a16:creationId xmlns:a16="http://schemas.microsoft.com/office/drawing/2014/main" id="{B8D0D648-7460-8549-8A1C-306AE01D59A0}"/>
               </a:ext>
             </a:extLst>
           </p:cNvPr>
@@ -5750,20 +6582,134 @@
         </p:nvSpPr>
         <p:spPr/>
         <p:txBody>
-          <a:bodyPr/>
+          <a:bodyPr>
+            <a:normAutofit/>
+          </a:bodyPr>
           <a:lstStyle/>
           <a:p>
             <a:r>
+              <a:rPr lang="en-US" sz="3200"/>
+              <a:t>Adminitration</a:t>
+            </a:r>
+          </a:p>
+        </p:txBody>
+      </p:sp>
+      <p:sp>
+        <p:nvSpPr>
+          <p:cNvPr id="3" name="TextBox 2">
+            <a:extLst>
+              <a:ext uri="{FF2B5EF4-FFF2-40B4-BE49-F238E27FC236}">
+                <a16:creationId xmlns:a16="http://schemas.microsoft.com/office/drawing/2014/main" id="{A954D58C-9045-0942-96E5-06EF6D23AF47}"/>
+              </a:ext>
+            </a:extLst>
+          </p:cNvPr>
+          <p:cNvSpPr txBox="1"/>
+          <p:nvPr/>
+        </p:nvSpPr>
+        <p:spPr>
+          <a:xfrm>
+            <a:off x="457200" y="914400"/>
+            <a:ext cx="8305800" cy="1754326"/>
+          </a:xfrm>
+          <a:prstGeom prst="rect">
+            <a:avLst/>
+          </a:prstGeom>
+          <a:noFill/>
+        </p:spPr>
+        <p:txBody>
+          <a:bodyPr wrap="square" rtlCol="0">
+            <a:spAutoFit/>
+          </a:bodyPr>
+          <a:lstStyle/>
+          <a:p>
+            <a:pPr marL="285750" indent="-285750">
+              <a:buFont typeface="Arial" panose="020B0604020202020204" pitchFamily="34" charset="0"/>
+              <a:buChar char="•"/>
+            </a:pPr>
+            <a:r>
               <a:rPr lang="en-US"/>
-              <a:t>Refresher</a:t>
-            </a:r>
-          </a:p>
-        </p:txBody>
-      </p:sp>
+              <a:t>PowerPoint Presentation and classroom exercise solutions aare available on gitlab before class – see below.</a:t>
+            </a:r>
+          </a:p>
+          <a:p>
+            <a:pPr marL="285750" indent="-285750">
+              <a:buFont typeface="Arial" panose="020B0604020202020204" pitchFamily="34" charset="0"/>
+              <a:buChar char="•"/>
+            </a:pPr>
+            <a:r>
+              <a:rPr lang="en-US"/>
+              <a:t>Lecture materials are not delivered as-is out of the box. </a:t>
+            </a:r>
+          </a:p>
+          <a:p>
+            <a:pPr marL="285750" indent="-285750">
+              <a:buFont typeface="Arial" panose="020B0604020202020204" pitchFamily="34" charset="0"/>
+              <a:buChar char="•"/>
+            </a:pPr>
+            <a:r>
+              <a:rPr lang="en-US"/>
+              <a:t>PowerPoint Presentation is personally prepared by the instructor</a:t>
+            </a:r>
+          </a:p>
+          <a:p>
+            <a:pPr marL="285750" indent="-285750">
+              <a:buFont typeface="Arial" panose="020B0604020202020204" pitchFamily="34" charset="0"/>
+              <a:buChar char="•"/>
+            </a:pPr>
+            <a:r>
+              <a:rPr lang="en-US"/>
+              <a:t>Each class preparation takes approximately 5-7 hours of preparation</a:t>
+            </a:r>
+          </a:p>
+          <a:p>
+            <a:pPr marL="285750" indent="-285750">
+              <a:buFont typeface="Arial" panose="020B0604020202020204" pitchFamily="34" charset="0"/>
+              <a:buChar char="•"/>
+            </a:pPr>
+            <a:endParaRPr lang="en-US"/>
+          </a:p>
+        </p:txBody>
+      </p:sp>
+      <p:pic>
+        <p:nvPicPr>
+          <p:cNvPr id="7" name="Picture 6" descr="A screenshot of a cell phone&#13;&#10;&#13;&#10;Description automatically generated">
+            <a:extLst>
+              <a:ext uri="{FF2B5EF4-FFF2-40B4-BE49-F238E27FC236}">
+                <a16:creationId xmlns:a16="http://schemas.microsoft.com/office/drawing/2014/main" id="{CD594F8F-FC2C-384B-AC2F-C070AD3E54A8}"/>
+              </a:ext>
+            </a:extLst>
+          </p:cNvPr>
+          <p:cNvPicPr>
+            <a:picLocks noChangeAspect="1"/>
+          </p:cNvPicPr>
+          <p:nvPr/>
+        </p:nvPicPr>
+        <p:blipFill>
+          <a:blip r:embed="rId2">
+            <a:extLst>
+              <a:ext uri="{28A0092B-C50C-407E-A947-70E740481C1C}">
+                <a14:useLocalDpi xmlns:a14="http://schemas.microsoft.com/office/drawing/2010/main" val="0"/>
+              </a:ext>
+            </a:extLst>
+          </a:blip>
+          <a:stretch>
+            <a:fillRect/>
+          </a:stretch>
+        </p:blipFill>
+        <p:spPr>
+          <a:xfrm>
+            <a:off x="990600" y="2415228"/>
+            <a:ext cx="7162800" cy="3845872"/>
+          </a:xfrm>
+          <a:prstGeom prst="rect">
+            <a:avLst/>
+          </a:prstGeom>
+        </p:spPr>
+      </p:pic>
     </p:spTree>
     <p:extLst>
       <p:ext uri="{BB962C8B-B14F-4D97-AF65-F5344CB8AC3E}">
-        <p14:creationId xmlns:p14="http://schemas.microsoft.com/office/powerpoint/2010/main" val="921416604"/>
+        <p14:creationId xmlns:p14="http://schemas.microsoft.com/office/powerpoint/2010/main" val="4212676769"/>
       </p:ext>
     </p:extLst>
   </p:cSld>
@@ -5837,6 +6783,178 @@
           </a:p>
         </p:txBody>
       </p:sp>
+      <p:pic>
+        <p:nvPicPr>
+          <p:cNvPr id="7" name="Picture 6" descr="A screenshot of a cell phone&#13;&#10;&#13;&#10;Description automatically generated">
+            <a:extLst>
+              <a:ext uri="{FF2B5EF4-FFF2-40B4-BE49-F238E27FC236}">
+                <a16:creationId xmlns:a16="http://schemas.microsoft.com/office/drawing/2014/main" id="{D67DB28F-8733-4C48-974A-F3F7939F0E92}"/>
+              </a:ext>
+            </a:extLst>
+          </p:cNvPr>
+          <p:cNvPicPr>
+            <a:picLocks noChangeAspect="1"/>
+          </p:cNvPicPr>
+          <p:nvPr/>
+        </p:nvPicPr>
+        <p:blipFill>
+          <a:blip r:embed="rId2">
+            <a:extLst>
+              <a:ext uri="{28A0092B-C50C-407E-A947-70E740481C1C}">
+                <a14:useLocalDpi xmlns:a14="http://schemas.microsoft.com/office/drawing/2010/main" val="0"/>
+              </a:ext>
+            </a:extLst>
+          </a:blip>
+          <a:stretch>
+            <a:fillRect/>
+          </a:stretch>
+        </p:blipFill>
+        <p:spPr>
+          <a:xfrm>
+            <a:off x="304800" y="914400"/>
+            <a:ext cx="8534400" cy="4529584"/>
+          </a:xfrm>
+          <a:prstGeom prst="rect">
+            <a:avLst/>
+          </a:prstGeom>
+        </p:spPr>
+      </p:pic>
+      <p:sp>
+        <p:nvSpPr>
+          <p:cNvPr id="8" name="TextBox 7">
+            <a:extLst>
+              <a:ext uri="{FF2B5EF4-FFF2-40B4-BE49-F238E27FC236}">
+                <a16:creationId xmlns:a16="http://schemas.microsoft.com/office/drawing/2014/main" id="{F56C5835-89BA-5649-9086-717FA35BB0E0}"/>
+              </a:ext>
+            </a:extLst>
+          </p:cNvPr>
+          <p:cNvSpPr txBox="1"/>
+          <p:nvPr/>
+        </p:nvSpPr>
+        <p:spPr>
+          <a:xfrm>
+            <a:off x="304800" y="5562600"/>
+            <a:ext cx="8382000" cy="523220"/>
+          </a:xfrm>
+          <a:prstGeom prst="rect">
+            <a:avLst/>
+          </a:prstGeom>
+          <a:noFill/>
+        </p:spPr>
+        <p:txBody>
+          <a:bodyPr wrap="square" rtlCol="0">
+            <a:spAutoFit/>
+          </a:bodyPr>
+          <a:lstStyle/>
+          <a:p>
+            <a:r>
+              <a:rPr lang="en-US" sz="2800">
+                <a:solidFill>
+                  <a:schemeClr val="accent2">
+                    <a:lumMod val="50000"/>
+                  </a:schemeClr>
+                </a:solidFill>
+              </a:rPr>
+              <a:t>git add </a:t>
+            </a:r>
+            <a:r>
+              <a:rPr lang="en-US" sz="2800" b="1">
+                <a:solidFill>
+                  <a:schemeClr val="accent2">
+                    <a:lumMod val="50000"/>
+                  </a:schemeClr>
+                </a:solidFill>
+              </a:rPr>
+              <a:t>.</a:t>
+            </a:r>
+            <a:r>
+              <a:rPr lang="en-US" sz="2800" b="1"/>
+              <a:t> </a:t>
+            </a:r>
+            <a:r>
+              <a:rPr lang="en-US" sz="2400"/>
+              <a:t>to add all</a:t>
+            </a:r>
+          </a:p>
+        </p:txBody>
+      </p:sp>
+    </p:spTree>
+    <p:extLst>
+      <p:ext uri="{BB962C8B-B14F-4D97-AF65-F5344CB8AC3E}">
+        <p14:creationId xmlns:p14="http://schemas.microsoft.com/office/powerpoint/2010/main" val="1242048080"/>
+      </p:ext>
+    </p:extLst>
+  </p:cSld>
+  <p:clrMapOvr>
+    <a:masterClrMapping/>
+  </p:clrMapOvr>
+  <mc:AlternateContent xmlns:mc="http://schemas.openxmlformats.org/markup-compatibility/2006" xmlns:p14="http://schemas.microsoft.com/office/powerpoint/2010/main">
+    <mc:Choice Requires="p14">
+      <p:transition p14:dur="300">
+        <p:fade/>
+      </p:transition>
+    </mc:Choice>
+    <mc:Fallback xmlns="">
+      <p:transition>
+        <p:fade/>
+      </p:transition>
+    </mc:Fallback>
+  </mc:AlternateContent>
+</p:sld>
+</file>
+
+<file path=ppt/slides/slide21.xml><?xml version="1.0" encoding="utf-8"?>
+<p:sld xmlns:a="http://schemas.openxmlformats.org/drawingml/2006/main" xmlns:r="http://schemas.openxmlformats.org/officeDocument/2006/relationships" xmlns:p="http://schemas.openxmlformats.org/presentationml/2006/main">
+  <p:cSld>
+    <p:spTree>
+      <p:nvGrpSpPr>
+        <p:cNvPr id="1" name=""/>
+        <p:cNvGrpSpPr/>
+        <p:nvPr/>
+      </p:nvGrpSpPr>
+      <p:grpSpPr>
+        <a:xfrm>
+          <a:off x="0" y="0"/>
+          <a:ext cx="0" cy="0"/>
+          <a:chOff x="0" y="0"/>
+          <a:chExt cx="0" cy="0"/>
+        </a:xfrm>
+      </p:grpSpPr>
+      <p:sp>
+        <p:nvSpPr>
+          <p:cNvPr id="2" name="Title 1">
+            <a:extLst>
+              <a:ext uri="{FF2B5EF4-FFF2-40B4-BE49-F238E27FC236}">
+                <a16:creationId xmlns:a16="http://schemas.microsoft.com/office/drawing/2014/main" id="{E71A1E49-ED03-2F41-9D43-8F6A8951B89D}"/>
+              </a:ext>
+            </a:extLst>
+          </p:cNvPr>
+          <p:cNvSpPr>
+            <a:spLocks noGrp="1"/>
+          </p:cNvSpPr>
+          <p:nvPr>
+            <p:ph type="title"/>
+          </p:nvPr>
+        </p:nvSpPr>
+        <p:spPr>
+          <a:xfrm>
+            <a:off x="304800" y="0"/>
+            <a:ext cx="5334000" cy="653854"/>
+          </a:xfrm>
+        </p:spPr>
+        <p:txBody>
+          <a:bodyPr>
+            <a:normAutofit/>
+          </a:bodyPr>
+          <a:lstStyle/>
+          <a:p>
+            <a:r>
+              <a:rPr lang="en-US" sz="3200"/>
+              <a:t>Basic Commands Cont’d</a:t>
+            </a:r>
+          </a:p>
+        </p:txBody>
+      </p:sp>
       <p:sp>
         <p:nvSpPr>
           <p:cNvPr id="8" name="TextBox 7">
@@ -5947,7 +7065,7 @@
 </p:sld>
 </file>
 
-<file path=ppt/slides/slide21.xml><?xml version="1.0" encoding="utf-8"?>
+<file path=ppt/slides/slide22.xml><?xml version="1.0" encoding="utf-8"?>
 <p:sld xmlns:a="http://schemas.openxmlformats.org/drawingml/2006/main" xmlns:r="http://schemas.openxmlformats.org/officeDocument/2006/relationships" xmlns:p="http://schemas.openxmlformats.org/presentationml/2006/main">
   <p:cSld>
     <p:spTree>
@@ -6025,7 +7143,7 @@
 </p:sld>
 </file>
 
-<file path=ppt/slides/slide22.xml><?xml version="1.0" encoding="utf-8"?>
+<file path=ppt/slides/slide23.xml><?xml version="1.0" encoding="utf-8"?>
 <p:sld xmlns:a="http://schemas.openxmlformats.org/drawingml/2006/main" xmlns:r="http://schemas.openxmlformats.org/officeDocument/2006/relationships" xmlns:p="http://schemas.openxmlformats.org/presentationml/2006/main">
   <p:cSld>
     <p:spTree>
@@ -6239,7 +7357,7 @@
 </p:sld>
 </file>
 
-<file path=ppt/slides/slide23.xml><?xml version="1.0" encoding="utf-8"?>
+<file path=ppt/slides/slide24.xml><?xml version="1.0" encoding="utf-8"?>
 <p:sld xmlns:a="http://schemas.openxmlformats.org/drawingml/2006/main" xmlns:r="http://schemas.openxmlformats.org/officeDocument/2006/relationships" xmlns:p="http://schemas.openxmlformats.org/presentationml/2006/main">
   <p:cSld>
     <p:spTree>
@@ -6325,7 +7443,7 @@
           <p:cNvPr id="2" name="Title 1">
             <a:extLst>
               <a:ext uri="{FF2B5EF4-FFF2-40B4-BE49-F238E27FC236}">
-                <a16:creationId xmlns:a16="http://schemas.microsoft.com/office/drawing/2014/main" id="{9D3343E1-AA35-E04A-9286-43703AB08417}"/>
+                <a16:creationId xmlns:a16="http://schemas.microsoft.com/office/drawing/2014/main" id="{AE8F711F-D462-9D49-B382-8F60AB49AA1B}"/>
               </a:ext>
             </a:extLst>
           </p:cNvPr>
@@ -6336,141 +7454,14 @@
             <p:ph type="title"/>
           </p:nvPr>
         </p:nvSpPr>
-        <p:spPr>
-          <a:xfrm>
-            <a:off x="304800" y="0"/>
-            <a:ext cx="6629400" cy="653854"/>
-          </a:xfrm>
-        </p:spPr>
-        <p:txBody>
-          <a:bodyPr>
-            <a:normAutofit/>
-          </a:bodyPr>
+        <p:spPr/>
+        <p:txBody>
+          <a:bodyPr/>
           <a:lstStyle/>
           <a:p>
             <a:r>
-              <a:rPr lang="en-US" sz="3200"/>
-              <a:t>Studen Activity: Cereal Cleaner</a:t>
-            </a:r>
-          </a:p>
-        </p:txBody>
-      </p:sp>
-      <p:sp>
-        <p:nvSpPr>
-          <p:cNvPr id="3" name="TextBox 2">
-            <a:extLst>
-              <a:ext uri="{FF2B5EF4-FFF2-40B4-BE49-F238E27FC236}">
-                <a16:creationId xmlns:a16="http://schemas.microsoft.com/office/drawing/2014/main" id="{B7C33375-3502-6243-9C04-A7000199DA5E}"/>
-              </a:ext>
-            </a:extLst>
-          </p:cNvPr>
-          <p:cNvSpPr txBox="1"/>
-          <p:nvPr/>
-        </p:nvSpPr>
-        <p:spPr>
-          <a:xfrm>
-            <a:off x="304800" y="685800"/>
-            <a:ext cx="8534400" cy="5878532"/>
-          </a:xfrm>
-          <a:prstGeom prst="rect">
-            <a:avLst/>
-          </a:prstGeom>
-          <a:noFill/>
-        </p:spPr>
-        <p:txBody>
-          <a:bodyPr wrap="square" rtlCol="0">
-            <a:spAutoFit/>
-          </a:bodyPr>
-          <a:lstStyle/>
-          <a:p>
-            <a:r>
-              <a:rPr lang="en-US" sz="2800" b="1"/>
-              <a:t>Let’s write our pseudo code:</a:t>
-            </a:r>
-          </a:p>
-          <a:p>
-            <a:endParaRPr lang="en-US" sz="1400" u="sng"/>
-          </a:p>
-          <a:p>
-            <a:pPr lvl="1"/>
-            <a:r>
-              <a:rPr lang="en-US" sz="2800" u="sng"/>
-              <a:t># define items in my program:</a:t>
-            </a:r>
-          </a:p>
-          <a:p>
-            <a:pPr lvl="2"/>
-            <a:r>
-              <a:rPr lang="en-US" sz="2800"/>
-              <a:t># include helper library(ies) - dependencies </a:t>
-            </a:r>
-          </a:p>
-          <a:p>
-            <a:pPr lvl="2"/>
-            <a:r>
-              <a:rPr lang="en-US" sz="2800"/>
-              <a:t># add items for my prog</a:t>
-            </a:r>
-          </a:p>
-          <a:p>
-            <a:pPr lvl="1"/>
-            <a:endParaRPr lang="en-US" sz="2000"/>
-          </a:p>
-          <a:p>
-            <a:pPr lvl="1"/>
-            <a:r>
-              <a:rPr lang="en-US" sz="2800" u="sng"/>
-              <a:t># define actions in my program:</a:t>
-            </a:r>
-            <a:endParaRPr lang="en-US" sz="2800"/>
-          </a:p>
-          <a:p>
-            <a:pPr lvl="2"/>
-            <a:r>
-              <a:rPr lang="en-US" sz="2800"/>
-              <a:t># open the csv file</a:t>
-            </a:r>
-          </a:p>
-          <a:p>
-            <a:pPr lvl="2"/>
-            <a:r>
-              <a:rPr lang="en-US" sz="2800"/>
-              <a:t># create a csv reader</a:t>
-            </a:r>
-          </a:p>
-          <a:p>
-            <a:pPr lvl="2"/>
-            <a:r>
-              <a:rPr lang="en-US" sz="2800"/>
-              <a:t># read the header row and assign to a var</a:t>
-            </a:r>
-          </a:p>
-          <a:p>
-            <a:pPr lvl="2"/>
-            <a:r>
-              <a:rPr lang="en-US" sz="2800"/>
-              <a:t># print the header</a:t>
-            </a:r>
-          </a:p>
-          <a:p>
-            <a:pPr lvl="2"/>
-            <a:r>
-              <a:rPr lang="en-US" sz="2800"/>
-              <a:t># loop thru csv file</a:t>
-            </a:r>
-          </a:p>
-          <a:p>
-            <a:pPr lvl="2"/>
-            <a:r>
-              <a:rPr lang="en-US" sz="2800"/>
-              <a:t># to find cereal that are &gt;= 5 gr of fibers</a:t>
-            </a:r>
-          </a:p>
-          <a:p>
-            <a:pPr lvl="2"/>
-            <a:r>
-              <a:rPr lang="en-US" sz="2800"/>
-              <a:t># if found print row</a:t>
+              <a:rPr lang="en-US"/>
+              <a:t>Refresher</a:t>
             </a:r>
           </a:p>
         </p:txBody>
@@ -6478,7 +7469,7 @@
     </p:spTree>
     <p:extLst>
       <p:ext uri="{BB962C8B-B14F-4D97-AF65-F5344CB8AC3E}">
-        <p14:creationId xmlns:p14="http://schemas.microsoft.com/office/powerpoint/2010/main" val="2505384709"/>
+        <p14:creationId xmlns:p14="http://schemas.microsoft.com/office/powerpoint/2010/main" val="921416604"/>
       </p:ext>
     </p:extLst>
   </p:cSld>
@@ -6522,7 +7513,7 @@
           <p:cNvPr id="2" name="Title 1">
             <a:extLst>
               <a:ext uri="{FF2B5EF4-FFF2-40B4-BE49-F238E27FC236}">
-                <a16:creationId xmlns:a16="http://schemas.microsoft.com/office/drawing/2014/main" id="{B6AF84D5-2BFC-014B-95B4-C2D27D62A69A}"/>
+                <a16:creationId xmlns:a16="http://schemas.microsoft.com/office/drawing/2014/main" id="{9D3343E1-AA35-E04A-9286-43703AB08417}"/>
               </a:ext>
             </a:extLst>
           </p:cNvPr>
@@ -6533,7 +7524,12 @@
             <p:ph type="title"/>
           </p:nvPr>
         </p:nvSpPr>
-        <p:spPr/>
+        <p:spPr>
+          <a:xfrm>
+            <a:off x="304800" y="0"/>
+            <a:ext cx="6629400" cy="653854"/>
+          </a:xfrm>
+        </p:spPr>
         <p:txBody>
           <a:bodyPr>
             <a:normAutofit/>
@@ -6542,7 +7538,7 @@
           <a:p>
             <a:r>
               <a:rPr lang="en-US" sz="3200"/>
-              <a:t>Agenda</a:t>
+              <a:t>Studen Activity: Cereal Cleaner</a:t>
             </a:r>
           </a:p>
         </p:txBody>
@@ -6552,7 +7548,7 @@
           <p:cNvPr id="3" name="TextBox 2">
             <a:extLst>
               <a:ext uri="{FF2B5EF4-FFF2-40B4-BE49-F238E27FC236}">
-                <a16:creationId xmlns:a16="http://schemas.microsoft.com/office/drawing/2014/main" id="{D6412D14-37E5-BE46-8D60-87E63253BD72}"/>
+                <a16:creationId xmlns:a16="http://schemas.microsoft.com/office/drawing/2014/main" id="{B7C33375-3502-6243-9C04-A7000199DA5E}"/>
               </a:ext>
             </a:extLst>
           </p:cNvPr>
@@ -6561,8 +7557,8 @@
         </p:nvSpPr>
         <p:spPr>
           <a:xfrm>
-            <a:off x="304800" y="762000"/>
-            <a:ext cx="8534400" cy="5693866"/>
+            <a:off x="304800" y="685800"/>
+            <a:ext cx="8534400" cy="5878532"/>
           </a:xfrm>
           <a:prstGeom prst="rect">
             <a:avLst/>
@@ -6575,133 +7571,94 @@
           </a:bodyPr>
           <a:lstStyle/>
           <a:p>
-            <a:pPr marL="457200" indent="-457200">
-              <a:buFont typeface="Arial" panose="020B0604020202020204" pitchFamily="34" charset="0"/>
-              <a:buChar char="•"/>
-            </a:pPr>
-            <a:r>
-              <a:rPr lang="en-US" sz="2800"/>
-              <a:t>Dictionaries</a:t>
-            </a:r>
-          </a:p>
-          <a:p>
-            <a:pPr marL="914400" lvl="1" indent="-457200">
-              <a:buFont typeface="Arial" panose="020B0604020202020204" pitchFamily="34" charset="0"/>
-              <a:buChar char="•"/>
-            </a:pPr>
-            <a:r>
-              <a:rPr lang="en-US" sz="2800"/>
-              <a:t>Create</a:t>
-            </a:r>
-          </a:p>
-          <a:p>
-            <a:pPr marL="914400" lvl="1" indent="-457200">
-              <a:buFont typeface="Arial" panose="020B0604020202020204" pitchFamily="34" charset="0"/>
-              <a:buChar char="•"/>
-            </a:pPr>
-            <a:r>
-              <a:rPr lang="en-US" sz="2800"/>
-              <a:t>Read</a:t>
-            </a:r>
-          </a:p>
-          <a:p>
-            <a:pPr marL="914400" lvl="1" indent="-457200">
-              <a:buFont typeface="Arial" panose="020B0604020202020204" pitchFamily="34" charset="0"/>
-              <a:buChar char="•"/>
-            </a:pPr>
-            <a:r>
-              <a:rPr lang="en-US" sz="2800"/>
-              <a:t>Write</a:t>
-            </a:r>
-          </a:p>
-          <a:p>
-            <a:pPr marL="457200" indent="-457200">
-              <a:buFont typeface="Arial" panose="020B0604020202020204" pitchFamily="34" charset="0"/>
-              <a:buChar char="•"/>
-            </a:pPr>
-            <a:r>
-              <a:rPr lang="en-US" sz="2800"/>
-              <a:t>Understanding of coding logic and reasoning</a:t>
-            </a:r>
-          </a:p>
-          <a:p>
-            <a:pPr marL="914400" lvl="1" indent="-457200">
-              <a:buFont typeface="Arial" panose="020B0604020202020204" pitchFamily="34" charset="0"/>
-              <a:buChar char="•"/>
-            </a:pPr>
-            <a:r>
-              <a:rPr lang="en-US" sz="2800"/>
-              <a:t>Functions</a:t>
-            </a:r>
-          </a:p>
-          <a:p>
-            <a:pPr marL="914400" lvl="1" indent="-457200">
-              <a:buFont typeface="Arial" panose="020B0604020202020204" pitchFamily="34" charset="0"/>
-              <a:buChar char="•"/>
-            </a:pPr>
-            <a:r>
-              <a:rPr lang="en-US" sz="2800"/>
-              <a:t>Loops</a:t>
-            </a:r>
-          </a:p>
-          <a:p>
-            <a:pPr marL="914400" lvl="1" indent="-457200">
-              <a:buFont typeface="Arial" panose="020B0604020202020204" pitchFamily="34" charset="0"/>
-              <a:buChar char="•"/>
-            </a:pPr>
-            <a:r>
-              <a:rPr lang="en-US" sz="2800"/>
-              <a:t>Conditionals</a:t>
-            </a:r>
-          </a:p>
-          <a:p>
-            <a:pPr marL="457200" indent="-457200">
-              <a:buFont typeface="Arial" panose="020B0604020202020204" pitchFamily="34" charset="0"/>
-              <a:buChar char="•"/>
-            </a:pPr>
-            <a:r>
-              <a:rPr lang="en-US" sz="2800"/>
-              <a:t>Git Commands</a:t>
-            </a:r>
-          </a:p>
-          <a:p>
-            <a:pPr marL="914400" lvl="1" indent="-457200">
-              <a:buFont typeface="Arial" panose="020B0604020202020204" pitchFamily="34" charset="0"/>
-              <a:buChar char="•"/>
-            </a:pPr>
-            <a:r>
-              <a:rPr lang="en-US" sz="2800"/>
-              <a:t>Create</a:t>
-            </a:r>
-          </a:p>
-          <a:p>
-            <a:pPr marL="914400" lvl="1" indent="-457200">
-              <a:buFont typeface="Arial" panose="020B0604020202020204" pitchFamily="34" charset="0"/>
-              <a:buChar char="•"/>
-            </a:pPr>
-            <a:r>
-              <a:rPr lang="en-US" sz="2800"/>
-              <a:t>Add</a:t>
-            </a:r>
-          </a:p>
-          <a:p>
-            <a:pPr marL="914400" lvl="1" indent="-457200">
-              <a:buFont typeface="Arial" panose="020B0604020202020204" pitchFamily="34" charset="0"/>
-              <a:buChar char="•"/>
-            </a:pPr>
-            <a:r>
-              <a:rPr lang="en-US" sz="2800"/>
-              <a:t>Commit</a:t>
-            </a:r>
-          </a:p>
-          <a:p>
-            <a:pPr marL="914400" lvl="1" indent="-457200">
-              <a:buFont typeface="Arial" panose="020B0604020202020204" pitchFamily="34" charset="0"/>
-              <a:buChar char="•"/>
-            </a:pPr>
-            <a:r>
-              <a:rPr lang="en-US" sz="2800"/>
-              <a:t>push</a:t>
+            <a:r>
+              <a:rPr lang="en-US" sz="2800" b="1"/>
+              <a:t>Let’s write our pseudo code:</a:t>
+            </a:r>
+          </a:p>
+          <a:p>
+            <a:endParaRPr lang="en-US" sz="1400" u="sng"/>
+          </a:p>
+          <a:p>
+            <a:pPr lvl="1"/>
+            <a:r>
+              <a:rPr lang="en-US" sz="2800" u="sng"/>
+              <a:t># define items in my program:</a:t>
+            </a:r>
+          </a:p>
+          <a:p>
+            <a:pPr lvl="2"/>
+            <a:r>
+              <a:rPr lang="en-US" sz="2800"/>
+              <a:t># include helper library(ies) - dependencies </a:t>
+            </a:r>
+          </a:p>
+          <a:p>
+            <a:pPr lvl="2"/>
+            <a:r>
+              <a:rPr lang="en-US" sz="2800"/>
+              <a:t># add items for my prog</a:t>
+            </a:r>
+          </a:p>
+          <a:p>
+            <a:pPr lvl="1"/>
+            <a:endParaRPr lang="en-US" sz="2000"/>
+          </a:p>
+          <a:p>
+            <a:pPr lvl="1"/>
+            <a:r>
+              <a:rPr lang="en-US" sz="2800" u="sng"/>
+              <a:t># define actions in my program:</a:t>
+            </a:r>
+            <a:endParaRPr lang="en-US" sz="2800"/>
+          </a:p>
+          <a:p>
+            <a:pPr lvl="2"/>
+            <a:r>
+              <a:rPr lang="en-US" sz="2800"/>
+              <a:t># open the csv file</a:t>
+            </a:r>
+          </a:p>
+          <a:p>
+            <a:pPr lvl="2"/>
+            <a:r>
+              <a:rPr lang="en-US" sz="2800"/>
+              <a:t># create a csv reader</a:t>
+            </a:r>
+          </a:p>
+          <a:p>
+            <a:pPr lvl="2"/>
+            <a:r>
+              <a:rPr lang="en-US" sz="2800"/>
+              <a:t># read the header row and assign to a var</a:t>
+            </a:r>
+          </a:p>
+          <a:p>
+            <a:pPr lvl="2"/>
+            <a:r>
+              <a:rPr lang="en-US" sz="2800"/>
+              <a:t># print the header</a:t>
+            </a:r>
+          </a:p>
+          <a:p>
+            <a:pPr lvl="2"/>
+            <a:r>
+              <a:rPr lang="en-US" sz="2800"/>
+              <a:t># loop thru csv file</a:t>
+            </a:r>
+          </a:p>
+          <a:p>
+            <a:pPr lvl="2"/>
+            <a:r>
+              <a:rPr lang="en-US" sz="2800"/>
+              <a:t># to find cereal that are &gt;= 5 gr of fibers</a:t>
+            </a:r>
+          </a:p>
+          <a:p>
+            <a:pPr lvl="2"/>
+            <a:r>
+              <a:rPr lang="en-US" sz="2800"/>
+              <a:t># if found print row</a:t>
             </a:r>
           </a:p>
         </p:txBody>
@@ -6709,7 +7666,7 @@
     </p:spTree>
     <p:extLst>
       <p:ext uri="{BB962C8B-B14F-4D97-AF65-F5344CB8AC3E}">
-        <p14:creationId xmlns:p14="http://schemas.microsoft.com/office/powerpoint/2010/main" val="2525758598"/>
+        <p14:creationId xmlns:p14="http://schemas.microsoft.com/office/powerpoint/2010/main" val="2505384709"/>
       </p:ext>
     </p:extLst>
   </p:cSld>
@@ -6753,7 +7710,7 @@
           <p:cNvPr id="2" name="Title 1">
             <a:extLst>
               <a:ext uri="{FF2B5EF4-FFF2-40B4-BE49-F238E27FC236}">
-                <a16:creationId xmlns:a16="http://schemas.microsoft.com/office/drawing/2014/main" id="{7A798F9B-B797-C14D-B57D-A33CC4773BEE}"/>
+                <a16:creationId xmlns:a16="http://schemas.microsoft.com/office/drawing/2014/main" id="{B6AF84D5-2BFC-014B-95B4-C2D27D62A69A}"/>
               </a:ext>
             </a:extLst>
           </p:cNvPr>
@@ -6766,12 +7723,173 @@
         </p:nvSpPr>
         <p:spPr/>
         <p:txBody>
-          <a:bodyPr/>
+          <a:bodyPr>
+            <a:normAutofit/>
+          </a:bodyPr>
           <a:lstStyle/>
           <a:p>
             <a:r>
-              <a:rPr lang="en-US"/>
-              <a:t>Let’s Start Coding</a:t>
+              <a:rPr lang="en-US" sz="3200"/>
+              <a:t>Agenda</a:t>
+            </a:r>
+          </a:p>
+        </p:txBody>
+      </p:sp>
+      <p:sp>
+        <p:nvSpPr>
+          <p:cNvPr id="3" name="TextBox 2">
+            <a:extLst>
+              <a:ext uri="{FF2B5EF4-FFF2-40B4-BE49-F238E27FC236}">
+                <a16:creationId xmlns:a16="http://schemas.microsoft.com/office/drawing/2014/main" id="{D6412D14-37E5-BE46-8D60-87E63253BD72}"/>
+              </a:ext>
+            </a:extLst>
+          </p:cNvPr>
+          <p:cNvSpPr txBox="1"/>
+          <p:nvPr/>
+        </p:nvSpPr>
+        <p:spPr>
+          <a:xfrm>
+            <a:off x="304800" y="762000"/>
+            <a:ext cx="8534400" cy="5693866"/>
+          </a:xfrm>
+          <a:prstGeom prst="rect">
+            <a:avLst/>
+          </a:prstGeom>
+          <a:noFill/>
+        </p:spPr>
+        <p:txBody>
+          <a:bodyPr wrap="square" rtlCol="0">
+            <a:spAutoFit/>
+          </a:bodyPr>
+          <a:lstStyle/>
+          <a:p>
+            <a:pPr marL="457200" indent="-457200">
+              <a:buFont typeface="Arial" panose="020B0604020202020204" pitchFamily="34" charset="0"/>
+              <a:buChar char="•"/>
+            </a:pPr>
+            <a:r>
+              <a:rPr lang="en-US" sz="2800"/>
+              <a:t>Dictionaries</a:t>
+            </a:r>
+          </a:p>
+          <a:p>
+            <a:pPr marL="914400" lvl="1" indent="-457200">
+              <a:buFont typeface="Arial" panose="020B0604020202020204" pitchFamily="34" charset="0"/>
+              <a:buChar char="•"/>
+            </a:pPr>
+            <a:r>
+              <a:rPr lang="en-US" sz="2800"/>
+              <a:t>Create</a:t>
+            </a:r>
+          </a:p>
+          <a:p>
+            <a:pPr marL="914400" lvl="1" indent="-457200">
+              <a:buFont typeface="Arial" panose="020B0604020202020204" pitchFamily="34" charset="0"/>
+              <a:buChar char="•"/>
+            </a:pPr>
+            <a:r>
+              <a:rPr lang="en-US" sz="2800"/>
+              <a:t>Read</a:t>
+            </a:r>
+          </a:p>
+          <a:p>
+            <a:pPr marL="914400" lvl="1" indent="-457200">
+              <a:buFont typeface="Arial" panose="020B0604020202020204" pitchFamily="34" charset="0"/>
+              <a:buChar char="•"/>
+            </a:pPr>
+            <a:r>
+              <a:rPr lang="en-US" sz="2800"/>
+              <a:t>Write</a:t>
+            </a:r>
+          </a:p>
+          <a:p>
+            <a:pPr marL="457200" indent="-457200">
+              <a:buFont typeface="Arial" panose="020B0604020202020204" pitchFamily="34" charset="0"/>
+              <a:buChar char="•"/>
+            </a:pPr>
+            <a:r>
+              <a:rPr lang="en-US" sz="2800"/>
+              <a:t>Understanding of coding logic and reasoning</a:t>
+            </a:r>
+          </a:p>
+          <a:p>
+            <a:pPr marL="914400" lvl="1" indent="-457200">
+              <a:buFont typeface="Arial" panose="020B0604020202020204" pitchFamily="34" charset="0"/>
+              <a:buChar char="•"/>
+            </a:pPr>
+            <a:r>
+              <a:rPr lang="en-US" sz="2800"/>
+              <a:t>Functions</a:t>
+            </a:r>
+          </a:p>
+          <a:p>
+            <a:pPr marL="914400" lvl="1" indent="-457200">
+              <a:buFont typeface="Arial" panose="020B0604020202020204" pitchFamily="34" charset="0"/>
+              <a:buChar char="•"/>
+            </a:pPr>
+            <a:r>
+              <a:rPr lang="en-US" sz="2800"/>
+              <a:t>Loops</a:t>
+            </a:r>
+          </a:p>
+          <a:p>
+            <a:pPr marL="914400" lvl="1" indent="-457200">
+              <a:buFont typeface="Arial" panose="020B0604020202020204" pitchFamily="34" charset="0"/>
+              <a:buChar char="•"/>
+            </a:pPr>
+            <a:r>
+              <a:rPr lang="en-US" sz="2800"/>
+              <a:t>Conditionals</a:t>
+            </a:r>
+          </a:p>
+          <a:p>
+            <a:pPr marL="457200" indent="-457200">
+              <a:buFont typeface="Arial" panose="020B0604020202020204" pitchFamily="34" charset="0"/>
+              <a:buChar char="•"/>
+            </a:pPr>
+            <a:r>
+              <a:rPr lang="en-US" sz="2800"/>
+              <a:t>Git Commands</a:t>
+            </a:r>
+          </a:p>
+          <a:p>
+            <a:pPr marL="914400" lvl="1" indent="-457200">
+              <a:buFont typeface="Arial" panose="020B0604020202020204" pitchFamily="34" charset="0"/>
+              <a:buChar char="•"/>
+            </a:pPr>
+            <a:r>
+              <a:rPr lang="en-US" sz="2800"/>
+              <a:t>Create</a:t>
+            </a:r>
+          </a:p>
+          <a:p>
+            <a:pPr marL="914400" lvl="1" indent="-457200">
+              <a:buFont typeface="Arial" panose="020B0604020202020204" pitchFamily="34" charset="0"/>
+              <a:buChar char="•"/>
+            </a:pPr>
+            <a:r>
+              <a:rPr lang="en-US" sz="2800"/>
+              <a:t>Add</a:t>
+            </a:r>
+          </a:p>
+          <a:p>
+            <a:pPr marL="914400" lvl="1" indent="-457200">
+              <a:buFont typeface="Arial" panose="020B0604020202020204" pitchFamily="34" charset="0"/>
+              <a:buChar char="•"/>
+            </a:pPr>
+            <a:r>
+              <a:rPr lang="en-US" sz="2800"/>
+              <a:t>Commit</a:t>
+            </a:r>
+          </a:p>
+          <a:p>
+            <a:pPr marL="914400" lvl="1" indent="-457200">
+              <a:buFont typeface="Arial" panose="020B0604020202020204" pitchFamily="34" charset="0"/>
+              <a:buChar char="•"/>
+            </a:pPr>
+            <a:r>
+              <a:rPr lang="en-US" sz="2800"/>
+              <a:t>push</a:t>
             </a:r>
           </a:p>
         </p:txBody>
@@ -6779,7 +7897,7 @@
     </p:spTree>
     <p:extLst>
       <p:ext uri="{BB962C8B-B14F-4D97-AF65-F5344CB8AC3E}">
-        <p14:creationId xmlns:p14="http://schemas.microsoft.com/office/powerpoint/2010/main" val="2181403768"/>
+        <p14:creationId xmlns:p14="http://schemas.microsoft.com/office/powerpoint/2010/main" val="2525758598"/>
       </p:ext>
     </p:extLst>
   </p:cSld>
@@ -6823,7 +7941,7 @@
           <p:cNvPr id="2" name="Title 1">
             <a:extLst>
               <a:ext uri="{FF2B5EF4-FFF2-40B4-BE49-F238E27FC236}">
-                <a16:creationId xmlns:a16="http://schemas.microsoft.com/office/drawing/2014/main" id="{C2A60F88-B7E6-514B-9B40-BDD21ECDF368}"/>
+                <a16:creationId xmlns:a16="http://schemas.microsoft.com/office/drawing/2014/main" id="{7A798F9B-B797-C14D-B57D-A33CC4773BEE}"/>
               </a:ext>
             </a:extLst>
           </p:cNvPr>
@@ -6836,168 +7954,12 @@
         </p:nvSpPr>
         <p:spPr/>
         <p:txBody>
-          <a:bodyPr>
-            <a:normAutofit/>
-          </a:bodyPr>
+          <a:bodyPr/>
           <a:lstStyle/>
           <a:p>
             <a:r>
-              <a:rPr lang="en-US" sz="3200"/>
-              <a:t>Dictionary</a:t>
-            </a:r>
-          </a:p>
-        </p:txBody>
-      </p:sp>
-      <p:sp>
-        <p:nvSpPr>
-          <p:cNvPr id="3" name="TextBox 2">
-            <a:extLst>
-              <a:ext uri="{FF2B5EF4-FFF2-40B4-BE49-F238E27FC236}">
-                <a16:creationId xmlns:a16="http://schemas.microsoft.com/office/drawing/2014/main" id="{4710FB63-FE7B-3C46-858B-1656FCEE4BC7}"/>
-              </a:ext>
-            </a:extLst>
-          </p:cNvPr>
-          <p:cNvSpPr txBox="1"/>
-          <p:nvPr/>
-        </p:nvSpPr>
-        <p:spPr>
-          <a:xfrm>
-            <a:off x="152400" y="914400"/>
-            <a:ext cx="8763000" cy="5509200"/>
-          </a:xfrm>
-          <a:prstGeom prst="rect">
-            <a:avLst/>
-          </a:prstGeom>
-          <a:noFill/>
-        </p:spPr>
-        <p:txBody>
-          <a:bodyPr wrap="square" rtlCol="0">
-            <a:spAutoFit/>
-          </a:bodyPr>
-          <a:lstStyle/>
-          <a:p>
-            <a:pPr marL="342900" indent="-342900">
-              <a:buFont typeface="Arial" panose="020B0604020202020204" pitchFamily="34" charset="0"/>
-              <a:buChar char="•"/>
-            </a:pPr>
-            <a:r>
-              <a:rPr lang="en-US" sz="2800"/>
-              <a:t>Like lists and tuples, dictionaries can contain multiple values and types of data within them</a:t>
-            </a:r>
-          </a:p>
-          <a:p>
-            <a:pPr marL="342900" indent="-342900">
-              <a:buFont typeface="Arial" panose="020B0604020202020204" pitchFamily="34" charset="0"/>
-              <a:buChar char="•"/>
-            </a:pPr>
-            <a:endParaRPr lang="en-US"/>
-          </a:p>
-          <a:p>
-            <a:pPr marL="342900" indent="-342900">
-              <a:buFont typeface="Arial" panose="020B0604020202020204" pitchFamily="34" charset="0"/>
-              <a:buChar char="•"/>
-            </a:pPr>
-            <a:r>
-              <a:rPr lang="en-US" sz="2800"/>
-              <a:t>Unlike lists and tuples, dictionary stores elements are stored in </a:t>
-            </a:r>
-            <a:r>
-              <a:rPr lang="en-US" sz="2800">
-                <a:solidFill>
-                  <a:schemeClr val="accent2">
-                    <a:lumMod val="50000"/>
-                  </a:schemeClr>
-                </a:solidFill>
-              </a:rPr>
-              <a:t>key:value </a:t>
-            </a:r>
-            <a:r>
-              <a:rPr lang="en-US" sz="2800"/>
-              <a:t>pair</a:t>
-            </a:r>
-          </a:p>
-          <a:p>
-            <a:pPr marL="342900" indent="-342900">
-              <a:buFont typeface="Arial" panose="020B0604020202020204" pitchFamily="34" charset="0"/>
-              <a:buChar char="•"/>
-            </a:pPr>
-            <a:endParaRPr lang="en-US"/>
-          </a:p>
-          <a:p>
-            <a:pPr marL="342900" indent="-342900">
-              <a:buFont typeface="Arial" panose="020B0604020202020204" pitchFamily="34" charset="0"/>
-              <a:buChar char="•"/>
-            </a:pPr>
-            <a:r>
-              <a:rPr lang="en-US" sz="2800"/>
-              <a:t>The key in a dictionary can be a string or number used to reference the value it is associated with</a:t>
-            </a:r>
-          </a:p>
-          <a:p>
-            <a:pPr marL="342900" indent="-342900">
-              <a:buFont typeface="Arial" panose="020B0604020202020204" pitchFamily="34" charset="0"/>
-              <a:buChar char="•"/>
-            </a:pPr>
-            <a:endParaRPr lang="en-US"/>
-          </a:p>
-          <a:p>
-            <a:pPr marL="342900" indent="-342900">
-              <a:buFont typeface="Arial" panose="020B0604020202020204" pitchFamily="34" charset="0"/>
-              <a:buChar char="•"/>
-            </a:pPr>
-            <a:r>
-              <a:rPr lang="en-US" sz="2800"/>
-              <a:t>The key must be unique within a dictionary</a:t>
-            </a:r>
-          </a:p>
-          <a:p>
-            <a:pPr marL="342900" indent="-342900">
-              <a:buFont typeface="Arial" panose="020B0604020202020204" pitchFamily="34" charset="0"/>
-              <a:buChar char="•"/>
-            </a:pPr>
-            <a:endParaRPr lang="en-US" sz="2800"/>
-          </a:p>
-          <a:p>
-            <a:pPr marL="342900" indent="-342900">
-              <a:buFont typeface="Arial" panose="020B0604020202020204" pitchFamily="34" charset="0"/>
-              <a:buChar char="•"/>
-            </a:pPr>
-            <a:r>
-              <a:rPr lang="en-US" sz="2800"/>
-              <a:t>Elements are enclosed in </a:t>
-            </a:r>
-            <a:r>
-              <a:rPr lang="en-US" sz="2800">
-                <a:solidFill>
-                  <a:schemeClr val="accent2">
-                    <a:lumMod val="50000"/>
-                  </a:schemeClr>
-                </a:solidFill>
-              </a:rPr>
-              <a:t>{ }</a:t>
-            </a:r>
-          </a:p>
-          <a:p>
-            <a:pPr marL="342900" indent="-342900">
-              <a:buFont typeface="Arial" panose="020B0604020202020204" pitchFamily="34" charset="0"/>
-              <a:buChar char="•"/>
-            </a:pPr>
-            <a:endParaRPr lang="en-US">
-              <a:solidFill>
-                <a:schemeClr val="accent2">
-                  <a:lumMod val="50000"/>
-                </a:schemeClr>
-              </a:solidFill>
-            </a:endParaRPr>
-          </a:p>
-          <a:p>
-            <a:pPr marL="342900" indent="-342900">
-              <a:buFont typeface="Arial" panose="020B0604020202020204" pitchFamily="34" charset="0"/>
-              <a:buChar char="•"/>
-            </a:pPr>
-            <a:r>
-              <a:rPr lang="en-US" sz="2800"/>
-              <a:t>Dictionaries are immutable</a:t>
+              <a:rPr lang="en-US"/>
+              <a:t>Let’s Start Coding</a:t>
             </a:r>
           </a:p>
         </p:txBody>
@@ -7005,7 +7967,7 @@
     </p:spTree>
     <p:extLst>
       <p:ext uri="{BB962C8B-B14F-4D97-AF65-F5344CB8AC3E}">
-        <p14:creationId xmlns:p14="http://schemas.microsoft.com/office/powerpoint/2010/main" val="2698029169"/>
+        <p14:creationId xmlns:p14="http://schemas.microsoft.com/office/powerpoint/2010/main" val="2181403768"/>
       </p:ext>
     </p:extLst>
   </p:cSld>
@@ -7049,7 +8011,7 @@
           <p:cNvPr id="2" name="Title 1">
             <a:extLst>
               <a:ext uri="{FF2B5EF4-FFF2-40B4-BE49-F238E27FC236}">
-                <a16:creationId xmlns:a16="http://schemas.microsoft.com/office/drawing/2014/main" id="{C1DADE0B-1D6B-A240-8EA9-0E6B3C8F8EFF}"/>
+                <a16:creationId xmlns:a16="http://schemas.microsoft.com/office/drawing/2014/main" id="{C2A60F88-B7E6-514B-9B40-BDD21ECDF368}"/>
               </a:ext>
             </a:extLst>
           </p:cNvPr>
@@ -7062,12 +8024,168 @@
         </p:nvSpPr>
         <p:spPr/>
         <p:txBody>
-          <a:bodyPr/>
+          <a:bodyPr>
+            <a:normAutofit/>
+          </a:bodyPr>
           <a:lstStyle/>
           <a:p>
             <a:r>
-              <a:rPr lang="en-US"/>
-              <a:t>List Comprehensions</a:t>
+              <a:rPr lang="en-US" sz="3200"/>
+              <a:t>Dictionary</a:t>
+            </a:r>
+          </a:p>
+        </p:txBody>
+      </p:sp>
+      <p:sp>
+        <p:nvSpPr>
+          <p:cNvPr id="3" name="TextBox 2">
+            <a:extLst>
+              <a:ext uri="{FF2B5EF4-FFF2-40B4-BE49-F238E27FC236}">
+                <a16:creationId xmlns:a16="http://schemas.microsoft.com/office/drawing/2014/main" id="{4710FB63-FE7B-3C46-858B-1656FCEE4BC7}"/>
+              </a:ext>
+            </a:extLst>
+          </p:cNvPr>
+          <p:cNvSpPr txBox="1"/>
+          <p:nvPr/>
+        </p:nvSpPr>
+        <p:spPr>
+          <a:xfrm>
+            <a:off x="152400" y="914400"/>
+            <a:ext cx="8763000" cy="5509200"/>
+          </a:xfrm>
+          <a:prstGeom prst="rect">
+            <a:avLst/>
+          </a:prstGeom>
+          <a:noFill/>
+        </p:spPr>
+        <p:txBody>
+          <a:bodyPr wrap="square" rtlCol="0">
+            <a:spAutoFit/>
+          </a:bodyPr>
+          <a:lstStyle/>
+          <a:p>
+            <a:pPr marL="342900" indent="-342900">
+              <a:buFont typeface="Arial" panose="020B0604020202020204" pitchFamily="34" charset="0"/>
+              <a:buChar char="•"/>
+            </a:pPr>
+            <a:r>
+              <a:rPr lang="en-US" sz="2800"/>
+              <a:t>Like lists and tuples, dictionaries can contain multiple values and types of data within them</a:t>
+            </a:r>
+          </a:p>
+          <a:p>
+            <a:pPr marL="342900" indent="-342900">
+              <a:buFont typeface="Arial" panose="020B0604020202020204" pitchFamily="34" charset="0"/>
+              <a:buChar char="•"/>
+            </a:pPr>
+            <a:endParaRPr lang="en-US"/>
+          </a:p>
+          <a:p>
+            <a:pPr marL="342900" indent="-342900">
+              <a:buFont typeface="Arial" panose="020B0604020202020204" pitchFamily="34" charset="0"/>
+              <a:buChar char="•"/>
+            </a:pPr>
+            <a:r>
+              <a:rPr lang="en-US" sz="2800"/>
+              <a:t>Unlike lists and tuples, dictionary stores elements are stored in </a:t>
+            </a:r>
+            <a:r>
+              <a:rPr lang="en-US" sz="2800">
+                <a:solidFill>
+                  <a:schemeClr val="accent2">
+                    <a:lumMod val="50000"/>
+                  </a:schemeClr>
+                </a:solidFill>
+              </a:rPr>
+              <a:t>key:value </a:t>
+            </a:r>
+            <a:r>
+              <a:rPr lang="en-US" sz="2800"/>
+              <a:t>pair</a:t>
+            </a:r>
+          </a:p>
+          <a:p>
+            <a:pPr marL="342900" indent="-342900">
+              <a:buFont typeface="Arial" panose="020B0604020202020204" pitchFamily="34" charset="0"/>
+              <a:buChar char="•"/>
+            </a:pPr>
+            <a:endParaRPr lang="en-US"/>
+          </a:p>
+          <a:p>
+            <a:pPr marL="342900" indent="-342900">
+              <a:buFont typeface="Arial" panose="020B0604020202020204" pitchFamily="34" charset="0"/>
+              <a:buChar char="•"/>
+            </a:pPr>
+            <a:r>
+              <a:rPr lang="en-US" sz="2800"/>
+              <a:t>The key in a dictionary can be a string or number used to reference the value it is associated with</a:t>
+            </a:r>
+          </a:p>
+          <a:p>
+            <a:pPr marL="342900" indent="-342900">
+              <a:buFont typeface="Arial" panose="020B0604020202020204" pitchFamily="34" charset="0"/>
+              <a:buChar char="•"/>
+            </a:pPr>
+            <a:endParaRPr lang="en-US"/>
+          </a:p>
+          <a:p>
+            <a:pPr marL="342900" indent="-342900">
+              <a:buFont typeface="Arial" panose="020B0604020202020204" pitchFamily="34" charset="0"/>
+              <a:buChar char="•"/>
+            </a:pPr>
+            <a:r>
+              <a:rPr lang="en-US" sz="2800"/>
+              <a:t>The key must be unique within a dictionary</a:t>
+            </a:r>
+          </a:p>
+          <a:p>
+            <a:pPr marL="342900" indent="-342900">
+              <a:buFont typeface="Arial" panose="020B0604020202020204" pitchFamily="34" charset="0"/>
+              <a:buChar char="•"/>
+            </a:pPr>
+            <a:endParaRPr lang="en-US" sz="2800"/>
+          </a:p>
+          <a:p>
+            <a:pPr marL="342900" indent="-342900">
+              <a:buFont typeface="Arial" panose="020B0604020202020204" pitchFamily="34" charset="0"/>
+              <a:buChar char="•"/>
+            </a:pPr>
+            <a:r>
+              <a:rPr lang="en-US" sz="2800"/>
+              <a:t>Elements are enclosed in </a:t>
+            </a:r>
+            <a:r>
+              <a:rPr lang="en-US" sz="2800">
+                <a:solidFill>
+                  <a:schemeClr val="accent2">
+                    <a:lumMod val="50000"/>
+                  </a:schemeClr>
+                </a:solidFill>
+              </a:rPr>
+              <a:t>{ }</a:t>
+            </a:r>
+          </a:p>
+          <a:p>
+            <a:pPr marL="342900" indent="-342900">
+              <a:buFont typeface="Arial" panose="020B0604020202020204" pitchFamily="34" charset="0"/>
+              <a:buChar char="•"/>
+            </a:pPr>
+            <a:endParaRPr lang="en-US">
+              <a:solidFill>
+                <a:schemeClr val="accent2">
+                  <a:lumMod val="50000"/>
+                </a:schemeClr>
+              </a:solidFill>
+            </a:endParaRPr>
+          </a:p>
+          <a:p>
+            <a:pPr marL="342900" indent="-342900">
+              <a:buFont typeface="Arial" panose="020B0604020202020204" pitchFamily="34" charset="0"/>
+              <a:buChar char="•"/>
+            </a:pPr>
+            <a:r>
+              <a:rPr lang="en-US" sz="2800"/>
+              <a:t>Dictionaries are immutable</a:t>
             </a:r>
           </a:p>
         </p:txBody>
@@ -7075,7 +8193,7 @@
     </p:spTree>
     <p:extLst>
       <p:ext uri="{BB962C8B-B14F-4D97-AF65-F5344CB8AC3E}">
-        <p14:creationId xmlns:p14="http://schemas.microsoft.com/office/powerpoint/2010/main" val="1546236882"/>
+        <p14:creationId xmlns:p14="http://schemas.microsoft.com/office/powerpoint/2010/main" val="2698029169"/>
       </p:ext>
     </p:extLst>
   </p:cSld>
@@ -7119,7 +8237,7 @@
           <p:cNvPr id="2" name="Title 1">
             <a:extLst>
               <a:ext uri="{FF2B5EF4-FFF2-40B4-BE49-F238E27FC236}">
-                <a16:creationId xmlns:a16="http://schemas.microsoft.com/office/drawing/2014/main" id="{8B9497AE-4356-D244-9533-BCE3E5DA0D6D}"/>
+                <a16:creationId xmlns:a16="http://schemas.microsoft.com/office/drawing/2014/main" id="{C1DADE0B-1D6B-A240-8EA9-0E6B3C8F8EFF}"/>
               </a:ext>
             </a:extLst>
           </p:cNvPr>
@@ -7132,242 +8250,20 @@
         </p:nvSpPr>
         <p:spPr/>
         <p:txBody>
-          <a:bodyPr>
-            <a:normAutofit/>
-          </a:bodyPr>
+          <a:bodyPr/>
           <a:lstStyle/>
           <a:p>
             <a:r>
-              <a:rPr lang="en-US" sz="3200"/>
-              <a:t>Inline-For-loop</a:t>
-            </a:r>
-          </a:p>
-        </p:txBody>
-      </p:sp>
-      <p:sp>
-        <p:nvSpPr>
-          <p:cNvPr id="3" name="TextBox 2">
-            <a:extLst>
-              <a:ext uri="{FF2B5EF4-FFF2-40B4-BE49-F238E27FC236}">
-                <a16:creationId xmlns:a16="http://schemas.microsoft.com/office/drawing/2014/main" id="{E331F071-D7C1-1046-85B0-717BA763C45C}"/>
-              </a:ext>
-            </a:extLst>
-          </p:cNvPr>
-          <p:cNvSpPr txBox="1"/>
-          <p:nvPr/>
-        </p:nvSpPr>
-        <p:spPr>
-          <a:xfrm>
-            <a:off x="304800" y="914400"/>
-            <a:ext cx="8610600" cy="5078313"/>
-          </a:xfrm>
-          <a:prstGeom prst="rect">
-            <a:avLst/>
-          </a:prstGeom>
-          <a:noFill/>
-          <a:ln>
-            <a:noFill/>
-          </a:ln>
-        </p:spPr>
-        <p:txBody>
-          <a:bodyPr wrap="square" rtlCol="0">
-            <a:spAutoFit/>
-          </a:bodyPr>
-          <a:lstStyle/>
-          <a:p>
-            <a:r>
-              <a:rPr lang="en-US" sz="2800" b="1"/>
-              <a:t>fish = ”halibut”</a:t>
-            </a:r>
-          </a:p>
-          <a:p>
-            <a:r>
-              <a:rPr lang="en-US" sz="2800" b="1"/>
-              <a:t>letters = [ ]</a:t>
-            </a:r>
-          </a:p>
-          <a:p>
-            <a:endParaRPr lang="en-US"/>
-          </a:p>
-          <a:p>
-            <a:r>
-              <a:rPr lang="en-US" sz="2800">
-                <a:solidFill>
-                  <a:schemeClr val="bg2">
-                    <a:lumMod val="50000"/>
-                  </a:schemeClr>
-                </a:solidFill>
-              </a:rPr>
-              <a:t># create a list by looping thru each char</a:t>
-            </a:r>
-          </a:p>
-          <a:p>
-            <a:r>
-              <a:rPr lang="en-US" sz="2800">
-                <a:solidFill>
-                  <a:schemeClr val="bg2">
-                    <a:lumMod val="50000"/>
-                  </a:schemeClr>
-                </a:solidFill>
-              </a:rPr>
-              <a:t># of the string and push to an array</a:t>
-            </a:r>
-          </a:p>
-          <a:p>
-            <a:r>
-              <a:rPr lang="en-US" sz="2800" b="1">
-                <a:solidFill>
-                  <a:schemeClr val="accent2">
-                    <a:lumMod val="50000"/>
-                  </a:schemeClr>
-                </a:solidFill>
-              </a:rPr>
-              <a:t>for</a:t>
-            </a:r>
-            <a:r>
-              <a:rPr lang="en-US" sz="2800" b="1"/>
-              <a:t> char </a:t>
-            </a:r>
-            <a:r>
-              <a:rPr lang="en-US" sz="2800" b="1">
-                <a:solidFill>
-                  <a:schemeClr val="accent2">
-                    <a:lumMod val="50000"/>
-                  </a:schemeClr>
-                </a:solidFill>
-              </a:rPr>
-              <a:t>in</a:t>
-            </a:r>
-            <a:r>
-              <a:rPr lang="en-US" sz="2800" b="1"/>
-              <a:t> fish:</a:t>
-            </a:r>
-          </a:p>
-          <a:p>
-            <a:pPr lvl="1"/>
-            <a:r>
-              <a:rPr lang="en-US" sz="2800" b="1"/>
-              <a:t>letters.</a:t>
-            </a:r>
-            <a:r>
-              <a:rPr lang="en-US" sz="2800" b="1">
-                <a:solidFill>
-                  <a:schemeClr val="accent2">
-                    <a:lumMod val="50000"/>
-                  </a:schemeClr>
-                </a:solidFill>
-              </a:rPr>
-              <a:t>append( </a:t>
-            </a:r>
-            <a:r>
-              <a:rPr lang="en-US" sz="2800" b="1">
-                <a:solidFill>
-                  <a:srgbClr val="C00000"/>
-                </a:solidFill>
-              </a:rPr>
-              <a:t>char</a:t>
-            </a:r>
-            <a:r>
-              <a:rPr lang="en-US" sz="2800" b="1"/>
-              <a:t>.</a:t>
-            </a:r>
-            <a:r>
-              <a:rPr lang="en-US" sz="2800" b="1">
-                <a:solidFill>
-                  <a:schemeClr val="accent2">
-                    <a:lumMod val="50000"/>
-                  </a:schemeClr>
-                </a:solidFill>
-              </a:rPr>
-              <a:t>upper() )</a:t>
-            </a:r>
-          </a:p>
-          <a:p>
-            <a:endParaRPr lang="en-US" b="1"/>
-          </a:p>
-          <a:p>
-            <a:endParaRPr lang="en-US"/>
-          </a:p>
-          <a:p>
-            <a:r>
-              <a:rPr lang="en-US" sz="2800">
-                <a:solidFill>
-                  <a:schemeClr val="bg2">
-                    <a:lumMod val="50000"/>
-                  </a:schemeClr>
-                </a:solidFill>
-              </a:rPr>
-              <a:t># List comprehensions provide</a:t>
-            </a:r>
-          </a:p>
-          <a:p>
-            <a:r>
-              <a:rPr lang="en-US" sz="2800">
-                <a:solidFill>
-                  <a:schemeClr val="bg2">
-                    <a:lumMod val="50000"/>
-                  </a:schemeClr>
-                </a:solidFill>
-              </a:rPr>
-              <a:t># concise syntax for creating lists</a:t>
-            </a:r>
-          </a:p>
-          <a:p>
-            <a:r>
-              <a:rPr lang="en-US" sz="2800" b="1"/>
-              <a:t>letters = [</a:t>
-            </a:r>
-            <a:r>
-              <a:rPr lang="en-US" sz="2800" b="1">
-                <a:solidFill>
-                  <a:srgbClr val="C00000"/>
-                </a:solidFill>
-              </a:rPr>
-              <a:t>char</a:t>
-            </a:r>
-            <a:r>
-              <a:rPr lang="en-US" sz="2800" b="1"/>
-              <a:t> </a:t>
-            </a:r>
-            <a:r>
-              <a:rPr lang="en-US" sz="2800" b="1">
-                <a:solidFill>
-                  <a:schemeClr val="accent2">
-                    <a:lumMod val="50000"/>
-                  </a:schemeClr>
-                </a:solidFill>
-              </a:rPr>
-              <a:t>for </a:t>
-            </a:r>
-            <a:r>
-              <a:rPr lang="en-US" sz="2800" b="1"/>
-              <a:t>char</a:t>
-            </a:r>
-            <a:r>
-              <a:rPr lang="en-US" sz="2800" b="1">
-                <a:solidFill>
-                  <a:schemeClr val="accent2">
-                    <a:lumMod val="50000"/>
-                  </a:schemeClr>
-                </a:solidFill>
-              </a:rPr>
-              <a:t> in </a:t>
-            </a:r>
-            <a:r>
-              <a:rPr lang="en-US" sz="2800" b="1"/>
-              <a:t>fish]</a:t>
-            </a:r>
-            <a:endParaRPr lang="en-US" sz="2400" b="1"/>
-          </a:p>
-          <a:p>
-            <a:endParaRPr lang="en-US"/>
+              <a:rPr lang="en-US"/>
+              <a:t>List Comprehensions</a:t>
+            </a:r>
           </a:p>
         </p:txBody>
       </p:sp>
     </p:spTree>
     <p:extLst>
       <p:ext uri="{BB962C8B-B14F-4D97-AF65-F5344CB8AC3E}">
-        <p14:creationId xmlns:p14="http://schemas.microsoft.com/office/powerpoint/2010/main" val="254388463"/>
+        <p14:creationId xmlns:p14="http://schemas.microsoft.com/office/powerpoint/2010/main" val="1546236882"/>
       </p:ext>
     </p:extLst>
   </p:cSld>
@@ -7411,7 +8307,7 @@
           <p:cNvPr id="2" name="Title 1">
             <a:extLst>
               <a:ext uri="{FF2B5EF4-FFF2-40B4-BE49-F238E27FC236}">
-                <a16:creationId xmlns:a16="http://schemas.microsoft.com/office/drawing/2014/main" id="{749AC0A7-74F1-A74E-8A19-506863585EE2}"/>
+                <a16:creationId xmlns:a16="http://schemas.microsoft.com/office/drawing/2014/main" id="{8B9497AE-4356-D244-9533-BCE3E5DA0D6D}"/>
               </a:ext>
             </a:extLst>
           </p:cNvPr>
@@ -7422,12 +8318,7 @@
             <p:ph type="title"/>
           </p:nvPr>
         </p:nvSpPr>
-        <p:spPr>
-          <a:xfrm>
-            <a:off x="304800" y="0"/>
-            <a:ext cx="5470526" cy="653854"/>
-          </a:xfrm>
-        </p:spPr>
+        <p:spPr/>
         <p:txBody>
           <a:bodyPr>
             <a:normAutofit/>
@@ -7436,7 +8327,7 @@
           <a:p>
             <a:r>
               <a:rPr lang="en-US" sz="3200"/>
-              <a:t>Inline-For-loop Cont’d</a:t>
+              <a:t>Inline-For-loop</a:t>
             </a:r>
           </a:p>
         </p:txBody>
@@ -7446,7 +8337,7 @@
           <p:cNvPr id="3" name="TextBox 2">
             <a:extLst>
               <a:ext uri="{FF2B5EF4-FFF2-40B4-BE49-F238E27FC236}">
-                <a16:creationId xmlns:a16="http://schemas.microsoft.com/office/drawing/2014/main" id="{97C5921C-98D4-C440-9C09-0B24F07D612D}"/>
+                <a16:creationId xmlns:a16="http://schemas.microsoft.com/office/drawing/2014/main" id="{E331F071-D7C1-1046-85B0-717BA763C45C}"/>
               </a:ext>
             </a:extLst>
           </p:cNvPr>
@@ -7455,18 +8346,16 @@
         </p:nvSpPr>
         <p:spPr>
           <a:xfrm>
-            <a:off x="2876550" y="3596551"/>
-            <a:ext cx="1371600" cy="707886"/>
+            <a:off x="304800" y="914400"/>
+            <a:ext cx="8610600" cy="5078313"/>
           </a:xfrm>
           <a:prstGeom prst="rect">
             <a:avLst/>
           </a:prstGeom>
-          <a:solidFill>
-            <a:schemeClr val="accent1">
-              <a:lumMod val="40000"/>
-              <a:lumOff val="60000"/>
-            </a:schemeClr>
-          </a:solidFill>
+          <a:noFill/>
+          <a:ln>
+            <a:noFill/>
+          </a:ln>
         </p:spPr>
         <p:txBody>
           <a:bodyPr wrap="square" rtlCol="0">
@@ -7474,903 +8363,199 @@
           </a:bodyPr>
           <a:lstStyle/>
           <a:p>
-            <a:pPr algn="ctr"/>
-            <a:r>
-              <a:rPr lang="en-US" sz="4000">
+            <a:r>
+              <a:rPr lang="en-US" sz="2800" b="1"/>
+              <a:t>fish = ”halibut”</a:t>
+            </a:r>
+          </a:p>
+          <a:p>
+            <a:r>
+              <a:rPr lang="en-US" sz="2800" b="1"/>
+              <a:t>letters = [ ]</a:t>
+            </a:r>
+          </a:p>
+          <a:p>
+            <a:endParaRPr lang="en-US"/>
+          </a:p>
+          <a:p>
+            <a:r>
+              <a:rPr lang="en-US" sz="2800">
+                <a:solidFill>
+                  <a:schemeClr val="bg2">
+                    <a:lumMod val="50000"/>
+                  </a:schemeClr>
+                </a:solidFill>
+              </a:rPr>
+              <a:t># create a list by looping thru each char</a:t>
+            </a:r>
+          </a:p>
+          <a:p>
+            <a:r>
+              <a:rPr lang="en-US" sz="2800">
+                <a:solidFill>
+                  <a:schemeClr val="bg2">
+                    <a:lumMod val="50000"/>
+                  </a:schemeClr>
+                </a:solidFill>
+              </a:rPr>
+              <a:t># of the string and push to an array</a:t>
+            </a:r>
+          </a:p>
+          <a:p>
+            <a:r>
+              <a:rPr lang="en-US" sz="2800" b="1">
+                <a:solidFill>
+                  <a:schemeClr val="accent2">
+                    <a:lumMod val="50000"/>
+                  </a:schemeClr>
+                </a:solidFill>
+              </a:rPr>
+              <a:t>for</a:t>
+            </a:r>
+            <a:r>
+              <a:rPr lang="en-US" sz="2800" b="1"/>
+              <a:t> char </a:t>
+            </a:r>
+            <a:r>
+              <a:rPr lang="en-US" sz="2800" b="1">
+                <a:solidFill>
+                  <a:schemeClr val="accent2">
+                    <a:lumMod val="50000"/>
+                  </a:schemeClr>
+                </a:solidFill>
+              </a:rPr>
+              <a:t>in</a:t>
+            </a:r>
+            <a:r>
+              <a:rPr lang="en-US" sz="2800" b="1"/>
+              <a:t> fish:</a:t>
+            </a:r>
+          </a:p>
+          <a:p>
+            <a:pPr lvl="1"/>
+            <a:r>
+              <a:rPr lang="en-US" sz="2800" b="1"/>
+              <a:t>letters.</a:t>
+            </a:r>
+            <a:r>
+              <a:rPr lang="en-US" sz="2800" b="1">
+                <a:solidFill>
+                  <a:schemeClr val="accent2">
+                    <a:lumMod val="50000"/>
+                  </a:schemeClr>
+                </a:solidFill>
+              </a:rPr>
+              <a:t>append( </a:t>
+            </a:r>
+            <a:r>
+              <a:rPr lang="en-US" sz="2800" b="1">
                 <a:solidFill>
                   <a:srgbClr val="C00000"/>
                 </a:solidFill>
               </a:rPr>
-              <a:t>x</a:t>
-            </a:r>
-          </a:p>
-        </p:txBody>
-      </p:sp>
-      <p:sp>
-        <p:nvSpPr>
-          <p:cNvPr id="4" name="TextBox 3">
-            <a:extLst>
-              <a:ext uri="{FF2B5EF4-FFF2-40B4-BE49-F238E27FC236}">
-                <a16:creationId xmlns:a16="http://schemas.microsoft.com/office/drawing/2014/main" id="{8D44F4D8-EEC8-1048-A4AD-1CA105615991}"/>
-              </a:ext>
-            </a:extLst>
-          </p:cNvPr>
-          <p:cNvSpPr txBox="1"/>
-          <p:nvPr/>
-        </p:nvSpPr>
-        <p:spPr>
-          <a:xfrm>
-            <a:off x="2114550" y="3672751"/>
-            <a:ext cx="476250" cy="707886"/>
-          </a:xfrm>
-          <a:prstGeom prst="rect">
-            <a:avLst/>
-          </a:prstGeom>
-          <a:noFill/>
-        </p:spPr>
-        <p:txBody>
-          <a:bodyPr wrap="square" rtlCol="0">
-            <a:spAutoFit/>
-          </a:bodyPr>
-          <a:lstStyle/>
-          <a:p>
-            <a:r>
-              <a:rPr lang="en-US" sz="4000"/>
-              <a:t>=</a:t>
-            </a:r>
-          </a:p>
-        </p:txBody>
-      </p:sp>
-      <p:sp>
-        <p:nvSpPr>
-          <p:cNvPr id="5" name="TextBox 4">
-            <a:extLst>
-              <a:ext uri="{FF2B5EF4-FFF2-40B4-BE49-F238E27FC236}">
-                <a16:creationId xmlns:a16="http://schemas.microsoft.com/office/drawing/2014/main" id="{CBC1F507-5224-684B-8CF4-F6E8F0E0FD06}"/>
-              </a:ext>
-            </a:extLst>
-          </p:cNvPr>
-          <p:cNvSpPr txBox="1"/>
-          <p:nvPr/>
-        </p:nvSpPr>
-        <p:spPr>
-          <a:xfrm>
-            <a:off x="4171950" y="3596551"/>
-            <a:ext cx="933450" cy="707886"/>
-          </a:xfrm>
-          <a:prstGeom prst="rect">
-            <a:avLst/>
-          </a:prstGeom>
-          <a:solidFill>
-            <a:schemeClr val="accent2">
-              <a:lumMod val="40000"/>
-              <a:lumOff val="60000"/>
-            </a:schemeClr>
-          </a:solidFill>
-        </p:spPr>
-        <p:txBody>
-          <a:bodyPr wrap="square" rtlCol="0">
-            <a:spAutoFit/>
-          </a:bodyPr>
-          <a:lstStyle/>
-          <a:p>
-            <a:pPr algn="ctr"/>
-            <a:r>
-              <a:rPr lang="en-US" sz="4000"/>
-              <a:t>for</a:t>
-            </a:r>
-          </a:p>
-        </p:txBody>
-      </p:sp>
-      <p:sp>
-        <p:nvSpPr>
-          <p:cNvPr id="6" name="TextBox 5">
-            <a:extLst>
-              <a:ext uri="{FF2B5EF4-FFF2-40B4-BE49-F238E27FC236}">
-                <a16:creationId xmlns:a16="http://schemas.microsoft.com/office/drawing/2014/main" id="{337EB6CB-DB6F-C347-82F8-CDBA42E65EE9}"/>
-              </a:ext>
-            </a:extLst>
-          </p:cNvPr>
-          <p:cNvSpPr txBox="1"/>
-          <p:nvPr/>
-        </p:nvSpPr>
-        <p:spPr>
-          <a:xfrm>
-            <a:off x="5086350" y="3596550"/>
-            <a:ext cx="1390650" cy="707886"/>
-          </a:xfrm>
-          <a:prstGeom prst="rect">
-            <a:avLst/>
-          </a:prstGeom>
-          <a:solidFill>
-            <a:schemeClr val="accent1">
-              <a:lumMod val="40000"/>
-              <a:lumOff val="60000"/>
-            </a:schemeClr>
-          </a:solidFill>
-        </p:spPr>
-        <p:txBody>
-          <a:bodyPr wrap="square" rtlCol="0">
-            <a:spAutoFit/>
-          </a:bodyPr>
-          <a:lstStyle/>
-          <a:p>
-            <a:pPr algn="ctr"/>
-            <a:r>
-              <a:rPr lang="en-US" sz="4000"/>
-              <a:t>x</a:t>
-            </a:r>
-          </a:p>
-        </p:txBody>
-      </p:sp>
-      <p:sp>
-        <p:nvSpPr>
-          <p:cNvPr id="7" name="TextBox 6">
-            <a:extLst>
-              <a:ext uri="{FF2B5EF4-FFF2-40B4-BE49-F238E27FC236}">
-                <a16:creationId xmlns:a16="http://schemas.microsoft.com/office/drawing/2014/main" id="{B879EE75-AF50-0343-9AC8-D75E5A1F97B8}"/>
-              </a:ext>
-            </a:extLst>
-          </p:cNvPr>
-          <p:cNvSpPr txBox="1"/>
-          <p:nvPr/>
-        </p:nvSpPr>
-        <p:spPr>
-          <a:xfrm>
-            <a:off x="6457950" y="3596550"/>
-            <a:ext cx="933450" cy="707886"/>
-          </a:xfrm>
-          <a:prstGeom prst="rect">
-            <a:avLst/>
-          </a:prstGeom>
-          <a:solidFill>
-            <a:schemeClr val="accent2">
-              <a:lumMod val="40000"/>
-              <a:lumOff val="60000"/>
-            </a:schemeClr>
-          </a:solidFill>
-        </p:spPr>
-        <p:txBody>
-          <a:bodyPr wrap="square" rtlCol="0">
-            <a:spAutoFit/>
-          </a:bodyPr>
-          <a:lstStyle/>
-          <a:p>
-            <a:pPr algn="ctr"/>
-            <a:r>
-              <a:rPr lang="en-US" sz="4000"/>
-              <a:t>in</a:t>
-            </a:r>
-          </a:p>
-        </p:txBody>
-      </p:sp>
-      <p:sp>
-        <p:nvSpPr>
-          <p:cNvPr id="8" name="TextBox 7">
-            <a:extLst>
-              <a:ext uri="{FF2B5EF4-FFF2-40B4-BE49-F238E27FC236}">
-                <a16:creationId xmlns:a16="http://schemas.microsoft.com/office/drawing/2014/main" id="{00E08B69-76EB-5040-93A4-12338AE30382}"/>
-              </a:ext>
-            </a:extLst>
-          </p:cNvPr>
-          <p:cNvSpPr txBox="1"/>
-          <p:nvPr/>
-        </p:nvSpPr>
-        <p:spPr>
-          <a:xfrm>
-            <a:off x="7391400" y="3596549"/>
-            <a:ext cx="1022350" cy="707886"/>
-          </a:xfrm>
-          <a:prstGeom prst="rect">
-            <a:avLst/>
-          </a:prstGeom>
-          <a:solidFill>
-            <a:srgbClr val="FFCC00"/>
-          </a:solidFill>
-        </p:spPr>
-        <p:txBody>
-          <a:bodyPr wrap="square" rtlCol="0">
-            <a:spAutoFit/>
-          </a:bodyPr>
-          <a:lstStyle/>
-          <a:p>
-            <a:pPr algn="ctr"/>
-            <a:r>
-              <a:rPr lang="en-US" sz="4000"/>
-              <a:t>list</a:t>
-            </a:r>
-          </a:p>
-        </p:txBody>
-      </p:sp>
-      <p:sp>
-        <p:nvSpPr>
-          <p:cNvPr id="15" name="TextBox 14">
-            <a:extLst>
-              <a:ext uri="{FF2B5EF4-FFF2-40B4-BE49-F238E27FC236}">
-                <a16:creationId xmlns:a16="http://schemas.microsoft.com/office/drawing/2014/main" id="{BD9DE8E4-927F-5348-B3BE-3921D9143659}"/>
-              </a:ext>
-            </a:extLst>
-          </p:cNvPr>
-          <p:cNvSpPr txBox="1"/>
-          <p:nvPr/>
-        </p:nvSpPr>
-        <p:spPr>
-          <a:xfrm>
-            <a:off x="2876550" y="944435"/>
-            <a:ext cx="1371600" cy="707886"/>
-          </a:xfrm>
-          <a:prstGeom prst="rect">
-            <a:avLst/>
-          </a:prstGeom>
-          <a:solidFill>
-            <a:schemeClr val="accent1">
-              <a:lumMod val="40000"/>
-              <a:lumOff val="60000"/>
-            </a:schemeClr>
-          </a:solidFill>
-        </p:spPr>
-        <p:txBody>
-          <a:bodyPr wrap="square" rtlCol="0">
-            <a:spAutoFit/>
-          </a:bodyPr>
-          <a:lstStyle/>
-          <a:p>
-            <a:pPr algn="ctr"/>
-            <a:r>
-              <a:rPr lang="en-US" sz="4000">
+              <a:t>char</a:t>
+            </a:r>
+            <a:r>
+              <a:rPr lang="en-US" sz="2800" b="1"/>
+              <a:t>.</a:t>
+            </a:r>
+            <a:r>
+              <a:rPr lang="en-US" sz="2800" b="1">
+                <a:solidFill>
+                  <a:schemeClr val="accent2">
+                    <a:lumMod val="50000"/>
+                  </a:schemeClr>
+                </a:solidFill>
+              </a:rPr>
+              <a:t>upper() )</a:t>
+            </a:r>
+          </a:p>
+          <a:p>
+            <a:endParaRPr lang="en-US" b="1"/>
+          </a:p>
+          <a:p>
+            <a:endParaRPr lang="en-US"/>
+          </a:p>
+          <a:p>
+            <a:r>
+              <a:rPr lang="en-US" sz="2800">
+                <a:solidFill>
+                  <a:schemeClr val="bg2">
+                    <a:lumMod val="50000"/>
+                  </a:schemeClr>
+                </a:solidFill>
+              </a:rPr>
+              <a:t># List comprehensions provide</a:t>
+            </a:r>
+          </a:p>
+          <a:p>
+            <a:r>
+              <a:rPr lang="en-US" sz="2800">
+                <a:solidFill>
+                  <a:schemeClr val="bg2">
+                    <a:lumMod val="50000"/>
+                  </a:schemeClr>
+                </a:solidFill>
+              </a:rPr>
+              <a:t># concise syntax for creating lists</a:t>
+            </a:r>
+          </a:p>
+          <a:p>
+            <a:r>
+              <a:rPr lang="en-US" sz="2800" b="1"/>
+              <a:t>letters = [</a:t>
+            </a:r>
+            <a:r>
+              <a:rPr lang="en-US" sz="2800" b="1">
                 <a:solidFill>
                   <a:srgbClr val="C00000"/>
                 </a:solidFill>
               </a:rPr>
               <a:t>char</a:t>
             </a:r>
-          </a:p>
-        </p:txBody>
-      </p:sp>
-      <p:sp>
-        <p:nvSpPr>
-          <p:cNvPr id="16" name="TextBox 15">
-            <a:extLst>
-              <a:ext uri="{FF2B5EF4-FFF2-40B4-BE49-F238E27FC236}">
-                <a16:creationId xmlns:a16="http://schemas.microsoft.com/office/drawing/2014/main" id="{36213926-5EA2-9A4F-865A-6F195A361751}"/>
-              </a:ext>
-            </a:extLst>
-          </p:cNvPr>
-          <p:cNvSpPr txBox="1"/>
-          <p:nvPr/>
-        </p:nvSpPr>
-        <p:spPr>
-          <a:xfrm>
-            <a:off x="2038350" y="1020635"/>
-            <a:ext cx="476250" cy="707886"/>
-          </a:xfrm>
-          <a:prstGeom prst="rect">
-            <a:avLst/>
-          </a:prstGeom>
-          <a:noFill/>
-        </p:spPr>
-        <p:txBody>
-          <a:bodyPr wrap="square" rtlCol="0">
-            <a:spAutoFit/>
-          </a:bodyPr>
-          <a:lstStyle/>
-          <a:p>
-            <a:r>
-              <a:rPr lang="en-US" sz="4000"/>
-              <a:t>=</a:t>
-            </a:r>
-          </a:p>
-        </p:txBody>
-      </p:sp>
-      <p:sp>
-        <p:nvSpPr>
-          <p:cNvPr id="17" name="TextBox 16">
-            <a:extLst>
-              <a:ext uri="{FF2B5EF4-FFF2-40B4-BE49-F238E27FC236}">
-                <a16:creationId xmlns:a16="http://schemas.microsoft.com/office/drawing/2014/main" id="{51B81684-989F-D34F-8D79-09AC2390476C}"/>
-              </a:ext>
-            </a:extLst>
-          </p:cNvPr>
-          <p:cNvSpPr txBox="1"/>
-          <p:nvPr/>
-        </p:nvSpPr>
-        <p:spPr>
-          <a:xfrm>
-            <a:off x="4171950" y="944435"/>
-            <a:ext cx="933450" cy="707886"/>
-          </a:xfrm>
-          <a:prstGeom prst="rect">
-            <a:avLst/>
-          </a:prstGeom>
-          <a:solidFill>
-            <a:schemeClr val="accent2">
-              <a:lumMod val="40000"/>
-              <a:lumOff val="60000"/>
-            </a:schemeClr>
-          </a:solidFill>
-        </p:spPr>
-        <p:txBody>
-          <a:bodyPr wrap="square" rtlCol="0">
-            <a:spAutoFit/>
-          </a:bodyPr>
-          <a:lstStyle/>
-          <a:p>
-            <a:pPr algn="ctr"/>
-            <a:r>
-              <a:rPr lang="en-US" sz="4000"/>
-              <a:t>for</a:t>
-            </a:r>
-          </a:p>
-        </p:txBody>
-      </p:sp>
-      <p:sp>
-        <p:nvSpPr>
-          <p:cNvPr id="18" name="TextBox 17">
-            <a:extLst>
-              <a:ext uri="{FF2B5EF4-FFF2-40B4-BE49-F238E27FC236}">
-                <a16:creationId xmlns:a16="http://schemas.microsoft.com/office/drawing/2014/main" id="{1CCD7249-57D5-9B41-97BF-A171A3CCA46A}"/>
-              </a:ext>
-            </a:extLst>
-          </p:cNvPr>
-          <p:cNvSpPr txBox="1"/>
-          <p:nvPr/>
-        </p:nvSpPr>
-        <p:spPr>
-          <a:xfrm>
-            <a:off x="5086350" y="944434"/>
-            <a:ext cx="1390650" cy="707886"/>
-          </a:xfrm>
-          <a:prstGeom prst="rect">
-            <a:avLst/>
-          </a:prstGeom>
-          <a:solidFill>
-            <a:schemeClr val="accent1">
-              <a:lumMod val="40000"/>
-              <a:lumOff val="60000"/>
-            </a:schemeClr>
-          </a:solidFill>
-        </p:spPr>
-        <p:txBody>
-          <a:bodyPr wrap="square" rtlCol="0">
-            <a:spAutoFit/>
-          </a:bodyPr>
-          <a:lstStyle/>
-          <a:p>
-            <a:pPr algn="ctr"/>
-            <a:r>
-              <a:rPr lang="en-US" sz="4000"/>
+            <a:r>
+              <a:rPr lang="en-US" sz="2800" b="1"/>
+              <a:t> </a:t>
+            </a:r>
+            <a:r>
+              <a:rPr lang="en-US" sz="2800" b="1">
+                <a:solidFill>
+                  <a:schemeClr val="accent2">
+                    <a:lumMod val="50000"/>
+                  </a:schemeClr>
+                </a:solidFill>
+              </a:rPr>
+              <a:t>for </a:t>
+            </a:r>
+            <a:r>
+              <a:rPr lang="en-US" sz="2800" b="1"/>
               <a:t>char</a:t>
             </a:r>
-          </a:p>
-        </p:txBody>
-      </p:sp>
-      <p:sp>
-        <p:nvSpPr>
-          <p:cNvPr id="19" name="TextBox 18">
-            <a:extLst>
-              <a:ext uri="{FF2B5EF4-FFF2-40B4-BE49-F238E27FC236}">
-                <a16:creationId xmlns:a16="http://schemas.microsoft.com/office/drawing/2014/main" id="{E89EDACA-9A22-004B-A0C5-AECC548ADA38}"/>
-              </a:ext>
-            </a:extLst>
-          </p:cNvPr>
-          <p:cNvSpPr txBox="1"/>
-          <p:nvPr/>
-        </p:nvSpPr>
-        <p:spPr>
-          <a:xfrm>
-            <a:off x="6457950" y="944434"/>
-            <a:ext cx="933450" cy="707886"/>
-          </a:xfrm>
-          <a:prstGeom prst="rect">
-            <a:avLst/>
-          </a:prstGeom>
-          <a:solidFill>
-            <a:schemeClr val="accent2">
-              <a:lumMod val="40000"/>
-              <a:lumOff val="60000"/>
-            </a:schemeClr>
-          </a:solidFill>
-        </p:spPr>
-        <p:txBody>
-          <a:bodyPr wrap="square" rtlCol="0">
-            <a:spAutoFit/>
-          </a:bodyPr>
-          <a:lstStyle/>
-          <a:p>
-            <a:pPr algn="ctr"/>
-            <a:r>
-              <a:rPr lang="en-US" sz="4000"/>
-              <a:t>in</a:t>
-            </a:r>
-          </a:p>
-        </p:txBody>
-      </p:sp>
-      <p:sp>
-        <p:nvSpPr>
-          <p:cNvPr id="20" name="TextBox 19">
-            <a:extLst>
-              <a:ext uri="{FF2B5EF4-FFF2-40B4-BE49-F238E27FC236}">
-                <a16:creationId xmlns:a16="http://schemas.microsoft.com/office/drawing/2014/main" id="{A4A66FE6-02BD-BD43-989A-ED5F520EE36F}"/>
-              </a:ext>
-            </a:extLst>
-          </p:cNvPr>
-          <p:cNvSpPr txBox="1"/>
-          <p:nvPr/>
-        </p:nvSpPr>
-        <p:spPr>
-          <a:xfrm>
-            <a:off x="7359650" y="944433"/>
-            <a:ext cx="1022350" cy="707886"/>
-          </a:xfrm>
-          <a:prstGeom prst="rect">
-            <a:avLst/>
-          </a:prstGeom>
-          <a:solidFill>
-            <a:srgbClr val="FFC000"/>
-          </a:solidFill>
-        </p:spPr>
-        <p:txBody>
-          <a:bodyPr wrap="square" rtlCol="0">
-            <a:spAutoFit/>
-          </a:bodyPr>
-          <a:lstStyle/>
-          <a:p>
-            <a:pPr algn="ctr"/>
-            <a:r>
-              <a:rPr lang="en-US" sz="4000"/>
-              <a:t>fish</a:t>
-            </a:r>
-          </a:p>
-        </p:txBody>
-      </p:sp>
-      <p:sp>
-        <p:nvSpPr>
-          <p:cNvPr id="21" name="TextBox 20">
-            <a:extLst>
-              <a:ext uri="{FF2B5EF4-FFF2-40B4-BE49-F238E27FC236}">
-                <a16:creationId xmlns:a16="http://schemas.microsoft.com/office/drawing/2014/main" id="{2EAFA559-CBB0-D944-AC0E-A4FDD887B997}"/>
-              </a:ext>
-            </a:extLst>
-          </p:cNvPr>
-          <p:cNvSpPr txBox="1"/>
-          <p:nvPr/>
-        </p:nvSpPr>
-        <p:spPr>
-          <a:xfrm>
-            <a:off x="381000" y="944433"/>
-            <a:ext cx="1600200" cy="707886"/>
-          </a:xfrm>
-          <a:prstGeom prst="rect">
-            <a:avLst/>
-          </a:prstGeom>
-          <a:noFill/>
-        </p:spPr>
-        <p:txBody>
-          <a:bodyPr wrap="square" rtlCol="0">
-            <a:spAutoFit/>
-          </a:bodyPr>
-          <a:lstStyle/>
-          <a:p>
-            <a:pPr algn="ctr"/>
-            <a:r>
-              <a:rPr lang="en-US" sz="4000"/>
-              <a:t>letters</a:t>
-            </a:r>
-          </a:p>
-        </p:txBody>
-      </p:sp>
-      <p:sp>
-        <p:nvSpPr>
-          <p:cNvPr id="22" name="TextBox 21">
-            <a:extLst>
-              <a:ext uri="{FF2B5EF4-FFF2-40B4-BE49-F238E27FC236}">
-                <a16:creationId xmlns:a16="http://schemas.microsoft.com/office/drawing/2014/main" id="{66CAD20E-81F6-7D44-A6E9-9825D0FFB34A}"/>
-              </a:ext>
-            </a:extLst>
-          </p:cNvPr>
-          <p:cNvSpPr txBox="1"/>
-          <p:nvPr/>
-        </p:nvSpPr>
-        <p:spPr>
-          <a:xfrm>
-            <a:off x="266700" y="3596549"/>
-            <a:ext cx="1943100" cy="707886"/>
-          </a:xfrm>
-          <a:prstGeom prst="rect">
-            <a:avLst/>
-          </a:prstGeom>
-          <a:noFill/>
-        </p:spPr>
-        <p:txBody>
-          <a:bodyPr wrap="square" rtlCol="0">
-            <a:spAutoFit/>
-          </a:bodyPr>
-          <a:lstStyle/>
-          <a:p>
-            <a:pPr algn="ctr"/>
-            <a:r>
-              <a:rPr lang="en-US" sz="4000"/>
-              <a:t>newList</a:t>
-            </a:r>
-          </a:p>
-        </p:txBody>
-      </p:sp>
-      <p:sp>
-        <p:nvSpPr>
-          <p:cNvPr id="23" name="TextBox 22">
-            <a:extLst>
-              <a:ext uri="{FF2B5EF4-FFF2-40B4-BE49-F238E27FC236}">
-                <a16:creationId xmlns:a16="http://schemas.microsoft.com/office/drawing/2014/main" id="{B4325EE2-32B8-C14D-97A3-D418A3DEBD96}"/>
-              </a:ext>
-            </a:extLst>
-          </p:cNvPr>
-          <p:cNvSpPr txBox="1"/>
-          <p:nvPr/>
-        </p:nvSpPr>
-        <p:spPr>
-          <a:xfrm>
-            <a:off x="2514600" y="533400"/>
-            <a:ext cx="381000" cy="1323439"/>
-          </a:xfrm>
-          <a:prstGeom prst="rect">
-            <a:avLst/>
-          </a:prstGeom>
-          <a:noFill/>
-        </p:spPr>
-        <p:txBody>
-          <a:bodyPr wrap="square" rtlCol="0">
-            <a:spAutoFit/>
-          </a:bodyPr>
-          <a:lstStyle/>
-          <a:p>
-            <a:r>
-              <a:rPr lang="en-US" sz="8000"/>
-              <a:t>[</a:t>
-            </a:r>
-          </a:p>
-        </p:txBody>
-      </p:sp>
-      <p:sp>
-        <p:nvSpPr>
-          <p:cNvPr id="25" name="TextBox 24">
-            <a:extLst>
-              <a:ext uri="{FF2B5EF4-FFF2-40B4-BE49-F238E27FC236}">
-                <a16:creationId xmlns:a16="http://schemas.microsoft.com/office/drawing/2014/main" id="{59AEFA26-348C-E740-B2AB-0EAA459085F5}"/>
-              </a:ext>
-            </a:extLst>
-          </p:cNvPr>
-          <p:cNvSpPr txBox="1"/>
-          <p:nvPr/>
-        </p:nvSpPr>
-        <p:spPr>
-          <a:xfrm>
-            <a:off x="2533650" y="3191471"/>
-            <a:ext cx="381000" cy="1323439"/>
-          </a:xfrm>
-          <a:prstGeom prst="rect">
-            <a:avLst/>
-          </a:prstGeom>
-          <a:noFill/>
-        </p:spPr>
-        <p:txBody>
-          <a:bodyPr wrap="square" rtlCol="0">
-            <a:spAutoFit/>
-          </a:bodyPr>
-          <a:lstStyle/>
-          <a:p>
-            <a:r>
-              <a:rPr lang="en-US" sz="8000"/>
-              <a:t>[</a:t>
-            </a:r>
-          </a:p>
-        </p:txBody>
-      </p:sp>
-      <p:sp>
-        <p:nvSpPr>
-          <p:cNvPr id="26" name="TextBox 25">
-            <a:extLst>
-              <a:ext uri="{FF2B5EF4-FFF2-40B4-BE49-F238E27FC236}">
-                <a16:creationId xmlns:a16="http://schemas.microsoft.com/office/drawing/2014/main" id="{F3C33D23-35BF-2446-B5EA-FEA5556B041C}"/>
-              </a:ext>
-            </a:extLst>
-          </p:cNvPr>
-          <p:cNvSpPr txBox="1"/>
-          <p:nvPr/>
-        </p:nvSpPr>
-        <p:spPr>
-          <a:xfrm rot="10800000">
-            <a:off x="8382000" y="735956"/>
-            <a:ext cx="381000" cy="1323439"/>
-          </a:xfrm>
-          <a:prstGeom prst="rect">
-            <a:avLst/>
-          </a:prstGeom>
-          <a:noFill/>
-        </p:spPr>
-        <p:txBody>
-          <a:bodyPr wrap="square" rtlCol="0">
-            <a:spAutoFit/>
-          </a:bodyPr>
-          <a:lstStyle/>
-          <a:p>
-            <a:r>
-              <a:rPr lang="en-US" sz="8000"/>
-              <a:t>[</a:t>
-            </a:r>
-          </a:p>
-        </p:txBody>
-      </p:sp>
-      <p:sp>
-        <p:nvSpPr>
-          <p:cNvPr id="28" name="TextBox 27">
-            <a:extLst>
-              <a:ext uri="{FF2B5EF4-FFF2-40B4-BE49-F238E27FC236}">
-                <a16:creationId xmlns:a16="http://schemas.microsoft.com/office/drawing/2014/main" id="{0EB27033-F55C-A641-B79E-239F4983BE03}"/>
-              </a:ext>
-            </a:extLst>
-          </p:cNvPr>
-          <p:cNvSpPr txBox="1"/>
-          <p:nvPr/>
-        </p:nvSpPr>
-        <p:spPr>
-          <a:xfrm rot="10800000">
-            <a:off x="8458200" y="3388717"/>
-            <a:ext cx="381000" cy="1323439"/>
-          </a:xfrm>
-          <a:prstGeom prst="rect">
-            <a:avLst/>
-          </a:prstGeom>
-          <a:noFill/>
-        </p:spPr>
-        <p:txBody>
-          <a:bodyPr wrap="square" rtlCol="0">
-            <a:spAutoFit/>
-          </a:bodyPr>
-          <a:lstStyle/>
-          <a:p>
-            <a:r>
-              <a:rPr lang="en-US" sz="8000"/>
-              <a:t>[</a:t>
-            </a:r>
-          </a:p>
-        </p:txBody>
-      </p:sp>
-      <p:sp>
-        <p:nvSpPr>
-          <p:cNvPr id="29" name="TextBox 28">
-            <a:extLst>
-              <a:ext uri="{FF2B5EF4-FFF2-40B4-BE49-F238E27FC236}">
-                <a16:creationId xmlns:a16="http://schemas.microsoft.com/office/drawing/2014/main" id="{09DA8C86-4336-5F44-A1C0-C9778CC0EE10}"/>
-              </a:ext>
-            </a:extLst>
-          </p:cNvPr>
-          <p:cNvSpPr txBox="1"/>
-          <p:nvPr/>
-        </p:nvSpPr>
-        <p:spPr>
-          <a:xfrm>
-            <a:off x="5181600" y="4380637"/>
-            <a:ext cx="3200400" cy="1200329"/>
-          </a:xfrm>
-          <a:prstGeom prst="rect">
-            <a:avLst/>
-          </a:prstGeom>
-          <a:noFill/>
-        </p:spPr>
-        <p:txBody>
-          <a:bodyPr wrap="square" rtlCol="0">
-            <a:spAutoFit/>
-          </a:bodyPr>
-          <a:lstStyle/>
-          <a:p>
-            <a:r>
-              <a:rPr lang="en-US" sz="2400"/>
-              <a:t>loop thru each item in the </a:t>
-            </a:r>
-            <a:r>
-              <a:rPr lang="en-US" sz="2400" b="1"/>
-              <a:t>list</a:t>
-            </a:r>
-            <a:r>
-              <a:rPr lang="en-US" sz="2400"/>
-              <a:t> and assign it to </a:t>
-            </a:r>
-            <a:r>
-              <a:rPr lang="en-US" sz="2400" b="1"/>
-              <a:t>X</a:t>
-            </a:r>
-          </a:p>
-        </p:txBody>
-      </p:sp>
-      <p:sp>
-        <p:nvSpPr>
-          <p:cNvPr id="31" name="TextBox 30">
-            <a:extLst>
-              <a:ext uri="{FF2B5EF4-FFF2-40B4-BE49-F238E27FC236}">
-                <a16:creationId xmlns:a16="http://schemas.microsoft.com/office/drawing/2014/main" id="{1790A7FD-6055-4E48-BB15-01A702D02D93}"/>
-              </a:ext>
-            </a:extLst>
-          </p:cNvPr>
-          <p:cNvSpPr txBox="1"/>
-          <p:nvPr/>
-        </p:nvSpPr>
-        <p:spPr>
-          <a:xfrm>
-            <a:off x="5086350" y="1764653"/>
-            <a:ext cx="3448050" cy="1200329"/>
-          </a:xfrm>
-          <a:prstGeom prst="rect">
-            <a:avLst/>
-          </a:prstGeom>
-          <a:noFill/>
-        </p:spPr>
-        <p:txBody>
-          <a:bodyPr wrap="square" rtlCol="0">
-            <a:spAutoFit/>
-          </a:bodyPr>
-          <a:lstStyle/>
-          <a:p>
-            <a:r>
-              <a:rPr lang="en-US" sz="2400"/>
-              <a:t>loop thru each character in </a:t>
-            </a:r>
-            <a:r>
-              <a:rPr lang="en-US" sz="2400" b="1"/>
-              <a:t>fish</a:t>
-            </a:r>
-            <a:r>
-              <a:rPr lang="en-US" sz="2400"/>
-              <a:t> and assign it to </a:t>
-            </a:r>
-            <a:r>
-              <a:rPr lang="en-US" sz="2400" b="1"/>
-              <a:t>char</a:t>
-            </a:r>
-          </a:p>
-        </p:txBody>
-      </p:sp>
-      <p:sp>
-        <p:nvSpPr>
-          <p:cNvPr id="32" name="TextBox 31">
-            <a:extLst>
-              <a:ext uri="{FF2B5EF4-FFF2-40B4-BE49-F238E27FC236}">
-                <a16:creationId xmlns:a16="http://schemas.microsoft.com/office/drawing/2014/main" id="{1873D173-5184-AD4E-B0DA-5F563EE6C0C8}"/>
-              </a:ext>
-            </a:extLst>
-          </p:cNvPr>
-          <p:cNvSpPr txBox="1"/>
-          <p:nvPr/>
-        </p:nvSpPr>
-        <p:spPr>
-          <a:xfrm>
-            <a:off x="2667000" y="1793436"/>
-            <a:ext cx="1701800" cy="1200329"/>
-          </a:xfrm>
-          <a:prstGeom prst="rect">
-            <a:avLst/>
-          </a:prstGeom>
-          <a:noFill/>
-        </p:spPr>
-        <p:txBody>
-          <a:bodyPr wrap="square" rtlCol="0">
-            <a:spAutoFit/>
-          </a:bodyPr>
-          <a:lstStyle/>
-          <a:p>
-            <a:r>
-              <a:rPr lang="en-US" sz="2400"/>
-              <a:t>add each </a:t>
-            </a:r>
-            <a:r>
-              <a:rPr lang="en-US" sz="2400" b="1">
-                <a:solidFill>
-                  <a:srgbClr val="C00000"/>
-                </a:solidFill>
-              </a:rPr>
-              <a:t>char</a:t>
-            </a:r>
-            <a:r>
-              <a:rPr lang="en-US" sz="2400"/>
-              <a:t> found to letters</a:t>
+            <a:r>
+              <a:rPr lang="en-US" sz="2800" b="1">
+                <a:solidFill>
+                  <a:schemeClr val="accent2">
+                    <a:lumMod val="50000"/>
+                  </a:schemeClr>
+                </a:solidFill>
+              </a:rPr>
+              <a:t> in </a:t>
+            </a:r>
+            <a:r>
+              <a:rPr lang="en-US" sz="2800" b="1"/>
+              <a:t>fish]</a:t>
             </a:r>
             <a:endParaRPr lang="en-US" sz="2400" b="1"/>
           </a:p>
-        </p:txBody>
-      </p:sp>
-      <p:sp>
-        <p:nvSpPr>
-          <p:cNvPr id="33" name="TextBox 32">
-            <a:extLst>
-              <a:ext uri="{FF2B5EF4-FFF2-40B4-BE49-F238E27FC236}">
-                <a16:creationId xmlns:a16="http://schemas.microsoft.com/office/drawing/2014/main" id="{18001F40-447A-4C47-9E73-0B861CBDE759}"/>
-              </a:ext>
-            </a:extLst>
-          </p:cNvPr>
-          <p:cNvSpPr txBox="1"/>
-          <p:nvPr/>
-        </p:nvSpPr>
-        <p:spPr>
-          <a:xfrm>
-            <a:off x="2797175" y="4409639"/>
-            <a:ext cx="1701800" cy="1200329"/>
-          </a:xfrm>
-          <a:prstGeom prst="rect">
-            <a:avLst/>
-          </a:prstGeom>
-          <a:noFill/>
-        </p:spPr>
-        <p:txBody>
-          <a:bodyPr wrap="square" rtlCol="0">
-            <a:spAutoFit/>
-          </a:bodyPr>
-          <a:lstStyle/>
-          <a:p>
-            <a:r>
-              <a:rPr lang="en-US" sz="2400"/>
-              <a:t>add each </a:t>
-            </a:r>
-            <a:r>
-              <a:rPr lang="en-US" sz="2400" b="1">
-                <a:solidFill>
-                  <a:srgbClr val="C00000"/>
-                </a:solidFill>
-              </a:rPr>
-              <a:t>X</a:t>
-            </a:r>
-            <a:r>
-              <a:rPr lang="en-US" sz="2400"/>
-              <a:t> found to </a:t>
-            </a:r>
-            <a:r>
-              <a:rPr lang="en-US" sz="2400" b="1"/>
-              <a:t>newList</a:t>
-            </a:r>
-          </a:p>
-        </p:txBody>
-      </p:sp>
-      <p:sp>
-        <p:nvSpPr>
-          <p:cNvPr id="34" name="TextBox 33">
-            <a:extLst>
-              <a:ext uri="{FF2B5EF4-FFF2-40B4-BE49-F238E27FC236}">
-                <a16:creationId xmlns:a16="http://schemas.microsoft.com/office/drawing/2014/main" id="{5C7D452E-0A95-5747-832C-19B8845001A8}"/>
-              </a:ext>
-            </a:extLst>
-          </p:cNvPr>
-          <p:cNvSpPr txBox="1"/>
-          <p:nvPr/>
-        </p:nvSpPr>
-        <p:spPr>
-          <a:xfrm>
-            <a:off x="76200" y="5715000"/>
-            <a:ext cx="9067800" cy="461665"/>
-          </a:xfrm>
-          <a:prstGeom prst="rect">
-            <a:avLst/>
-          </a:prstGeom>
-          <a:noFill/>
-        </p:spPr>
-        <p:txBody>
-          <a:bodyPr wrap="square" rtlCol="0">
-            <a:spAutoFit/>
-          </a:bodyPr>
-          <a:lstStyle/>
-          <a:p>
-            <a:r>
-              <a:rPr lang="en-US" sz="2400" b="1">
-                <a:solidFill>
-                  <a:srgbClr val="C00000"/>
-                </a:solidFill>
-              </a:rPr>
-              <a:t>Final assignment variable is first in the equation on the right</a:t>
-            </a:r>
+          <a:p>
+            <a:endParaRPr lang="en-US"/>
           </a:p>
         </p:txBody>
       </p:sp>
     </p:spTree>
     <p:extLst>
       <p:ext uri="{BB962C8B-B14F-4D97-AF65-F5344CB8AC3E}">
-        <p14:creationId xmlns:p14="http://schemas.microsoft.com/office/powerpoint/2010/main" val="1785917191"/>
+        <p14:creationId xmlns:p14="http://schemas.microsoft.com/office/powerpoint/2010/main" val="254388463"/>
       </p:ext>
     </p:extLst>
   </p:cSld>

--- a/Power Points/Python3.pptx
+++ b/Power Points/Python3.pptx
@@ -3157,7 +3157,7 @@
           <a:p>
             <a:r>
               <a:rPr lang="en-US" dirty="0"/>
-              <a:t>Python Guru</a:t>
+              <a:t>Python III</a:t>
             </a:r>
           </a:p>
         </p:txBody>
